--- a/Slides/Wk4Day1-UI Layouts and Orientation.pptx
+++ b/Slides/Wk4Day1-UI Layouts and Orientation.pptx
@@ -5,7 +5,7 @@
     <p:sldMasterId id="2147483797" r:id="rId1"/>
   </p:sldMasterIdLst>
   <p:notesMasterIdLst>
-    <p:notesMasterId r:id="rId18"/>
+    <p:notesMasterId r:id="rId21"/>
   </p:notesMasterIdLst>
   <p:sldIdLst>
     <p:sldId id="256" r:id="rId2"/>
@@ -21,9 +21,12 @@
     <p:sldId id="276" r:id="rId12"/>
     <p:sldId id="269" r:id="rId13"/>
     <p:sldId id="270" r:id="rId14"/>
-    <p:sldId id="277" r:id="rId15"/>
-    <p:sldId id="271" r:id="rId16"/>
-    <p:sldId id="278" r:id="rId17"/>
+    <p:sldId id="282" r:id="rId15"/>
+    <p:sldId id="280" r:id="rId16"/>
+    <p:sldId id="281" r:id="rId17"/>
+    <p:sldId id="277" r:id="rId18"/>
+    <p:sldId id="271" r:id="rId19"/>
+    <p:sldId id="278" r:id="rId20"/>
   </p:sldIdLst>
   <p:sldSz cx="9144000" cy="6858000" type="screen4x3"/>
   <p:notesSz cx="6858000" cy="9144000"/>
@@ -144,6 +147,9 @@
             <p14:sldId id="276"/>
             <p14:sldId id="269"/>
             <p14:sldId id="270"/>
+            <p14:sldId id="282"/>
+            <p14:sldId id="280"/>
+            <p14:sldId id="281"/>
             <p14:sldId id="277"/>
             <p14:sldId id="271"/>
             <p14:sldId id="278"/>
@@ -251,7 +257,7 @@
           <a:p>
             <a:fld id="{59B6F58A-1DC9-9140-A6F1-5CAF629CE03F}" type="datetimeFigureOut">
               <a:rPr lang="en-US" smtClean="0"/>
-              <a:t>1/29/18</a:t>
+              <a:t>10/15/18</a:t>
             </a:fld>
             <a:endParaRPr lang="en-US"/>
           </a:p>
@@ -315,38 +321,37 @@
           <a:p>
             <a:pPr lvl="0"/>
             <a:r>
-              <a:rPr lang="en-US" smtClean="0"/>
+              <a:rPr lang="en-US"/>
               <a:t>Click to edit Master text styles</a:t>
             </a:r>
           </a:p>
           <a:p>
             <a:pPr lvl="1"/>
             <a:r>
-              <a:rPr lang="en-US" smtClean="0"/>
+              <a:rPr lang="en-US"/>
               <a:t>Second level</a:t>
             </a:r>
           </a:p>
           <a:p>
             <a:pPr lvl="2"/>
             <a:r>
-              <a:rPr lang="en-US" smtClean="0"/>
+              <a:rPr lang="en-US"/>
               <a:t>Third level</a:t>
             </a:r>
           </a:p>
           <a:p>
             <a:pPr lvl="3"/>
             <a:r>
-              <a:rPr lang="en-US" smtClean="0"/>
+              <a:rPr lang="en-US"/>
               <a:t>Fourth level</a:t>
             </a:r>
           </a:p>
           <a:p>
             <a:pPr lvl="4"/>
             <a:r>
-              <a:rPr lang="en-US" smtClean="0"/>
+              <a:rPr lang="en-US"/>
               <a:t>Fifth level</a:t>
             </a:r>
-            <a:endParaRPr lang="en-US"/>
           </a:p>
         </p:txBody>
       </p:sp>
@@ -563,7 +568,7 @@
           <a:bodyPr/>
           <a:lstStyle/>
           <a:p>
-            <a:endParaRPr lang="en-US" baseline="0" dirty="0" smtClean="0"/>
+            <a:endParaRPr lang="en-US" baseline="0" dirty="0"/>
           </a:p>
         </p:txBody>
       </p:sp>
@@ -648,254 +653,280 @@
           <a:lstStyle/>
           <a:p>
             <a:r>
-              <a:rPr lang="en-US" dirty="0" smtClean="0"/>
+              <a:rPr lang="en-US" dirty="0"/>
               <a:t>Linear</a:t>
             </a:r>
             <a:r>
-              <a:rPr lang="en-US" baseline="0" dirty="0" smtClean="0"/>
+              <a:rPr lang="en-US" baseline="0" dirty="0"/>
               <a:t> Layout</a:t>
             </a:r>
           </a:p>
           <a:p>
             <a:r>
-              <a:rPr lang="en-US" dirty="0" smtClean="0"/>
+              <a:rPr lang="en-US" dirty="0"/>
               <a:t>http://</a:t>
             </a:r>
             <a:r>
-              <a:rPr lang="en-US" dirty="0" err="1" smtClean="0"/>
+              <a:rPr lang="en-US" dirty="0" err="1"/>
               <a:t>developer.android.com</a:t>
             </a:r>
             <a:r>
-              <a:rPr lang="en-US" dirty="0" smtClean="0"/>
+              <a:rPr lang="en-US" dirty="0"/>
               <a:t>/guide/topics/</a:t>
             </a:r>
             <a:r>
-              <a:rPr lang="en-US" dirty="0" err="1" smtClean="0"/>
+              <a:rPr lang="en-US" dirty="0" err="1"/>
               <a:t>ui</a:t>
             </a:r>
             <a:r>
-              <a:rPr lang="en-US" dirty="0" smtClean="0"/>
+              <a:rPr lang="en-US" dirty="0"/>
               <a:t>/layout/</a:t>
             </a:r>
             <a:r>
-              <a:rPr lang="en-US" dirty="0" err="1" smtClean="0"/>
+              <a:rPr lang="en-US" dirty="0" err="1"/>
               <a:t>linear.html</a:t>
             </a:r>
-            <a:endParaRPr lang="en-US" dirty="0" smtClean="0"/>
-          </a:p>
-          <a:p>
-            <a:r>
-              <a:rPr lang="en-US" dirty="0" smtClean="0"/>
+            <a:endParaRPr lang="en-US" dirty="0"/>
+          </a:p>
+          <a:p>
+            <a:r>
+              <a:rPr lang="en-US" dirty="0"/>
               <a:t>https://</a:t>
             </a:r>
             <a:r>
-              <a:rPr lang="en-US" dirty="0" err="1" smtClean="0"/>
+              <a:rPr lang="en-US" dirty="0" err="1"/>
               <a:t>developer.xamarin.com</a:t>
             </a:r>
             <a:r>
-              <a:rPr lang="en-US" dirty="0" smtClean="0"/>
+              <a:rPr lang="en-US" dirty="0"/>
               <a:t>/guides/android/</a:t>
             </a:r>
             <a:r>
-              <a:rPr lang="en-US" dirty="0" err="1" smtClean="0"/>
+              <a:rPr lang="en-US" dirty="0" err="1"/>
               <a:t>user_interface</a:t>
             </a:r>
             <a:r>
-              <a:rPr lang="en-US" dirty="0" smtClean="0"/>
+              <a:rPr lang="en-US" dirty="0"/>
               <a:t>/</a:t>
             </a:r>
             <a:r>
-              <a:rPr lang="en-US" dirty="0" err="1" smtClean="0"/>
+              <a:rPr lang="en-US" dirty="0" err="1"/>
               <a:t>linear_layout</a:t>
             </a:r>
             <a:r>
-              <a:rPr lang="en-US" dirty="0" smtClean="0"/>
+              <a:rPr lang="en-US" dirty="0"/>
               <a:t>/</a:t>
             </a:r>
           </a:p>
           <a:p>
             <a:r>
-              <a:rPr lang="en-US" dirty="0" smtClean="0"/>
+              <a:rPr lang="en-US" dirty="0"/>
               <a:t>Relative Layout</a:t>
             </a:r>
           </a:p>
           <a:p>
             <a:r>
-              <a:rPr lang="en-US" dirty="0" smtClean="0"/>
+              <a:rPr lang="en-US" dirty="0"/>
               <a:t>http://</a:t>
             </a:r>
             <a:r>
-              <a:rPr lang="en-US" dirty="0" err="1" smtClean="0"/>
+              <a:rPr lang="en-US" dirty="0" err="1"/>
               <a:t>developer.android.com</a:t>
             </a:r>
             <a:r>
-              <a:rPr lang="en-US" dirty="0" smtClean="0"/>
+              <a:rPr lang="en-US" dirty="0"/>
               <a:t>/guide/topics/</a:t>
             </a:r>
             <a:r>
-              <a:rPr lang="en-US" dirty="0" err="1" smtClean="0"/>
+              <a:rPr lang="en-US" dirty="0" err="1"/>
               <a:t>ui</a:t>
             </a:r>
             <a:r>
-              <a:rPr lang="en-US" dirty="0" smtClean="0"/>
+              <a:rPr lang="en-US" dirty="0"/>
               <a:t>/layout/</a:t>
             </a:r>
             <a:r>
-              <a:rPr lang="en-US" dirty="0" err="1" smtClean="0"/>
+              <a:rPr lang="en-US" dirty="0" err="1"/>
               <a:t>relative.html</a:t>
             </a:r>
-            <a:endParaRPr lang="en-US" dirty="0" smtClean="0"/>
-          </a:p>
-          <a:p>
-            <a:r>
-              <a:rPr lang="en-US" dirty="0" smtClean="0"/>
+            <a:endParaRPr lang="en-US" dirty="0"/>
+          </a:p>
+          <a:p>
+            <a:r>
+              <a:rPr lang="en-US" dirty="0"/>
               <a:t>https://</a:t>
             </a:r>
             <a:r>
-              <a:rPr lang="en-US" dirty="0" err="1" smtClean="0"/>
+              <a:rPr lang="en-US" dirty="0" err="1"/>
               <a:t>developer.xamarin.com</a:t>
             </a:r>
             <a:r>
-              <a:rPr lang="en-US" dirty="0" smtClean="0"/>
+              <a:rPr lang="en-US" dirty="0"/>
               <a:t>/guides/android/</a:t>
             </a:r>
             <a:r>
-              <a:rPr lang="en-US" dirty="0" err="1" smtClean="0"/>
+              <a:rPr lang="en-US" dirty="0" err="1"/>
               <a:t>user_interface</a:t>
             </a:r>
             <a:r>
-              <a:rPr lang="en-US" dirty="0" smtClean="0"/>
+              <a:rPr lang="en-US" dirty="0"/>
               <a:t>/</a:t>
             </a:r>
             <a:r>
-              <a:rPr lang="en-US" dirty="0" err="1" smtClean="0"/>
+              <a:rPr lang="en-US" dirty="0" err="1"/>
               <a:t>relative_layout</a:t>
             </a:r>
             <a:r>
-              <a:rPr lang="en-US" dirty="0" smtClean="0"/>
+              <a:rPr lang="en-US" dirty="0"/>
               <a:t>/</a:t>
             </a:r>
           </a:p>
           <a:p>
             <a:r>
-              <a:rPr lang="en-US" dirty="0" smtClean="0"/>
+              <a:rPr lang="en-US" dirty="0"/>
               <a:t>Table Layout</a:t>
             </a:r>
           </a:p>
           <a:p>
             <a:r>
-              <a:rPr lang="en-US" dirty="0" smtClean="0"/>
+              <a:rPr lang="en-US" dirty="0"/>
               <a:t>http://</a:t>
             </a:r>
             <a:r>
-              <a:rPr lang="en-US" dirty="0" err="1" smtClean="0"/>
+              <a:rPr lang="en-US" dirty="0" err="1"/>
               <a:t>developer.android.com</a:t>
             </a:r>
             <a:r>
-              <a:rPr lang="en-US" dirty="0" smtClean="0"/>
+              <a:rPr lang="en-US" dirty="0"/>
               <a:t>/guide/topics/</a:t>
             </a:r>
             <a:r>
-              <a:rPr lang="en-US" dirty="0" err="1" smtClean="0"/>
+              <a:rPr lang="en-US" dirty="0" err="1"/>
               <a:t>ui</a:t>
             </a:r>
             <a:r>
-              <a:rPr lang="en-US" dirty="0" smtClean="0"/>
+              <a:rPr lang="en-US" dirty="0"/>
               <a:t>/layout/</a:t>
             </a:r>
             <a:r>
-              <a:rPr lang="en-US" dirty="0" err="1" smtClean="0"/>
+              <a:rPr lang="en-US" dirty="0" err="1"/>
               <a:t>grid.html</a:t>
             </a:r>
-            <a:endParaRPr lang="en-US" dirty="0" smtClean="0"/>
-          </a:p>
-          <a:p>
-            <a:r>
-              <a:rPr lang="en-US" dirty="0" smtClean="0"/>
+            <a:endParaRPr lang="en-US" dirty="0"/>
+          </a:p>
+          <a:p>
+            <a:r>
+              <a:rPr lang="en-US" dirty="0"/>
               <a:t>https://</a:t>
             </a:r>
             <a:r>
-              <a:rPr lang="en-US" dirty="0" err="1" smtClean="0"/>
+              <a:rPr lang="en-US" dirty="0" err="1"/>
               <a:t>developer.xamarin.com</a:t>
             </a:r>
             <a:r>
-              <a:rPr lang="en-US" dirty="0" smtClean="0"/>
+              <a:rPr lang="en-US" dirty="0"/>
               <a:t>/guides/android/</a:t>
             </a:r>
             <a:r>
-              <a:rPr lang="en-US" dirty="0" err="1" smtClean="0"/>
+              <a:rPr lang="en-US" dirty="0" err="1"/>
               <a:t>user_interface</a:t>
             </a:r>
             <a:r>
-              <a:rPr lang="en-US" dirty="0" smtClean="0"/>
+              <a:rPr lang="en-US" dirty="0"/>
               <a:t>/</a:t>
             </a:r>
             <a:r>
-              <a:rPr lang="en-US" dirty="0" err="1" smtClean="0"/>
+              <a:rPr lang="en-US" dirty="0" err="1"/>
               <a:t>table_layout</a:t>
             </a:r>
             <a:r>
-              <a:rPr lang="en-US" dirty="0" smtClean="0"/>
+              <a:rPr lang="en-US" dirty="0"/>
               <a:t>/</a:t>
             </a:r>
           </a:p>
           <a:p>
             <a:r>
-              <a:rPr lang="en-US" dirty="0" smtClean="0"/>
+              <a:rPr lang="en-US" dirty="0"/>
               <a:t>Grid Layout</a:t>
             </a:r>
           </a:p>
           <a:p>
             <a:r>
-              <a:rPr lang="en-US" dirty="0" smtClean="0"/>
+              <a:rPr lang="en-US" dirty="0"/>
               <a:t>https://</a:t>
             </a:r>
             <a:r>
-              <a:rPr lang="en-US" dirty="0" err="1" smtClean="0"/>
+              <a:rPr lang="en-US" dirty="0" err="1"/>
               <a:t>developer.xamarin.com</a:t>
             </a:r>
             <a:r>
-              <a:rPr lang="en-US" dirty="0" smtClean="0"/>
+              <a:rPr lang="en-US" dirty="0"/>
               <a:t>/guides/android/</a:t>
             </a:r>
             <a:r>
-              <a:rPr lang="en-US" dirty="0" err="1" smtClean="0"/>
+              <a:rPr lang="en-US" dirty="0" err="1"/>
               <a:t>user_interface</a:t>
             </a:r>
             <a:r>
-              <a:rPr lang="en-US" dirty="0" smtClean="0"/>
+              <a:rPr lang="en-US" dirty="0"/>
               <a:t>/</a:t>
             </a:r>
             <a:r>
-              <a:rPr lang="en-US" dirty="0" err="1" smtClean="0"/>
+              <a:rPr lang="en-US" dirty="0" err="1"/>
               <a:t>gridlayout</a:t>
             </a:r>
             <a:r>
-              <a:rPr lang="en-US" dirty="0" smtClean="0"/>
+              <a:rPr lang="en-US" dirty="0"/>
               <a:t>/</a:t>
             </a:r>
           </a:p>
           <a:p>
             <a:r>
-              <a:rPr lang="en-US" dirty="0" smtClean="0"/>
+              <a:rPr lang="en-US" dirty="0"/>
               <a:t>http://</a:t>
             </a:r>
             <a:r>
-              <a:rPr lang="en-US" dirty="0" err="1" smtClean="0"/>
+              <a:rPr lang="en-US" dirty="0" err="1"/>
               <a:t>developer.android.com</a:t>
             </a:r>
             <a:r>
-              <a:rPr lang="en-US" dirty="0" smtClean="0"/>
+              <a:rPr lang="en-US" dirty="0"/>
               <a:t>/reference/android/widget/</a:t>
             </a:r>
             <a:r>
-              <a:rPr lang="en-US" dirty="0" err="1" smtClean="0"/>
+              <a:rPr lang="en-US" dirty="0" err="1"/>
               <a:t>GridLayout.html</a:t>
             </a:r>
-            <a:endParaRPr lang="en-US" dirty="0" smtClean="0"/>
-          </a:p>
-          <a:p>
-            <a:endParaRPr lang="en-US" dirty="0" smtClean="0"/>
+            <a:endParaRPr lang="en-US" dirty="0"/>
+          </a:p>
+          <a:p>
+            <a:r>
+              <a:rPr lang="en-US" dirty="0" err="1"/>
+              <a:t>Contrstaint</a:t>
+            </a:r>
+            <a:r>
+              <a:rPr lang="en-US" dirty="0"/>
+              <a:t> </a:t>
+            </a:r>
+            <a:r>
+              <a:rPr lang="en-US" dirty="0" err="1"/>
+              <a:t>Layoutou</a:t>
+            </a:r>
+            <a:endParaRPr lang="en-US" dirty="0"/>
+          </a:p>
+          <a:p>
+            <a:r>
+              <a:rPr lang="en-US" dirty="0"/>
+              <a:t>https://</a:t>
+            </a:r>
+            <a:r>
+              <a:rPr lang="en-US" dirty="0" err="1"/>
+              <a:t>developer.android.com</a:t>
+            </a:r>
+            <a:r>
+              <a:rPr lang="en-US" dirty="0"/>
+              <a:t>/training/constraint-layout/</a:t>
+            </a:r>
           </a:p>
           <a:p>
             <a:endParaRPr lang="en-US" dirty="0"/>
@@ -929,6 +960,387 @@
     <p:extLst>
       <p:ext uri="{BB962C8B-B14F-4D97-AF65-F5344CB8AC3E}">
         <p14:creationId xmlns:p14="http://schemas.microsoft.com/office/powerpoint/2010/main" val="2624130679"/>
+      </p:ext>
+    </p:extLst>
+  </p:cSld>
+  <p:clrMapOvr>
+    <a:masterClrMapping/>
+  </p:clrMapOvr>
+</p:notes>
+</file>
+
+<file path=ppt/notesSlides/notesSlide3.xml><?xml version="1.0" encoding="utf-8"?>
+<p:notes xmlns:a="http://schemas.openxmlformats.org/drawingml/2006/main" xmlns:r="http://schemas.openxmlformats.org/officeDocument/2006/relationships" xmlns:p="http://schemas.openxmlformats.org/presentationml/2006/main">
+  <p:cSld>
+    <p:spTree>
+      <p:nvGrpSpPr>
+        <p:cNvPr id="1" name=""/>
+        <p:cNvGrpSpPr/>
+        <p:nvPr/>
+      </p:nvGrpSpPr>
+      <p:grpSpPr>
+        <a:xfrm>
+          <a:off x="0" y="0"/>
+          <a:ext cx="0" cy="0"/>
+          <a:chOff x="0" y="0"/>
+          <a:chExt cx="0" cy="0"/>
+        </a:xfrm>
+      </p:grpSpPr>
+      <p:sp>
+        <p:nvSpPr>
+          <p:cNvPr id="2" name="Slide Image Placeholder 1"/>
+          <p:cNvSpPr>
+            <a:spLocks noGrp="1" noRot="1" noChangeAspect="1"/>
+          </p:cNvSpPr>
+          <p:nvPr>
+            <p:ph type="sldImg"/>
+          </p:nvPr>
+        </p:nvSpPr>
+        <p:spPr/>
+      </p:sp>
+      <p:sp>
+        <p:nvSpPr>
+          <p:cNvPr id="3" name="Notes Placeholder 2"/>
+          <p:cNvSpPr>
+            <a:spLocks noGrp="1"/>
+          </p:cNvSpPr>
+          <p:nvPr>
+            <p:ph type="body" idx="1"/>
+          </p:nvPr>
+        </p:nvSpPr>
+        <p:spPr/>
+        <p:txBody>
+          <a:bodyPr/>
+          <a:lstStyle/>
+          <a:p>
+            <a:r>
+              <a:rPr lang="en-US" dirty="0"/>
+              <a:t>https://</a:t>
+            </a:r>
+            <a:r>
+              <a:rPr lang="en-US" dirty="0" err="1"/>
+              <a:t>docs.microsoft.com</a:t>
+            </a:r>
+            <a:r>
+              <a:rPr lang="en-US" dirty="0"/>
+              <a:t>/</a:t>
+            </a:r>
+            <a:r>
+              <a:rPr lang="en-US" dirty="0" err="1"/>
+              <a:t>en</a:t>
+            </a:r>
+            <a:r>
+              <a:rPr lang="en-US" dirty="0"/>
+              <a:t>-us/</a:t>
+            </a:r>
+            <a:r>
+              <a:rPr lang="en-US" dirty="0" err="1"/>
+              <a:t>xamarin</a:t>
+            </a:r>
+            <a:r>
+              <a:rPr lang="en-US" dirty="0"/>
+              <a:t>/android/user-interface/android-designer/</a:t>
+            </a:r>
+            <a:r>
+              <a:rPr lang="en-US" dirty="0" err="1"/>
+              <a:t>designer-basics?tabs</a:t>
+            </a:r>
+            <a:r>
+              <a:rPr lang="en-US" dirty="0"/>
+              <a:t>=</a:t>
+            </a:r>
+            <a:r>
+              <a:rPr lang="en-US" dirty="0" err="1"/>
+              <a:t>vswin#margin</a:t>
+            </a:r>
+            <a:endParaRPr lang="en-US" dirty="0"/>
+          </a:p>
+          <a:p>
+            <a:endParaRPr lang="en-US" dirty="0"/>
+          </a:p>
+        </p:txBody>
+      </p:sp>
+      <p:sp>
+        <p:nvSpPr>
+          <p:cNvPr id="4" name="Slide Number Placeholder 3"/>
+          <p:cNvSpPr>
+            <a:spLocks noGrp="1"/>
+          </p:cNvSpPr>
+          <p:nvPr>
+            <p:ph type="sldNum" sz="quarter" idx="5"/>
+          </p:nvPr>
+        </p:nvSpPr>
+        <p:spPr/>
+        <p:txBody>
+          <a:bodyPr/>
+          <a:lstStyle/>
+          <a:p>
+            <a:fld id="{E94675F0-C2CB-0246-91F1-0967C899A5BC}" type="slidenum">
+              <a:rPr lang="en-US" smtClean="0"/>
+              <a:t>14</a:t>
+            </a:fld>
+            <a:endParaRPr lang="en-US"/>
+          </a:p>
+        </p:txBody>
+      </p:sp>
+    </p:spTree>
+    <p:extLst>
+      <p:ext uri="{BB962C8B-B14F-4D97-AF65-F5344CB8AC3E}">
+        <p14:creationId xmlns:p14="http://schemas.microsoft.com/office/powerpoint/2010/main" val="1810606110"/>
+      </p:ext>
+    </p:extLst>
+  </p:cSld>
+  <p:clrMapOvr>
+    <a:masterClrMapping/>
+  </p:clrMapOvr>
+</p:notes>
+</file>
+
+<file path=ppt/notesSlides/notesSlide4.xml><?xml version="1.0" encoding="utf-8"?>
+<p:notes xmlns:a="http://schemas.openxmlformats.org/drawingml/2006/main" xmlns:r="http://schemas.openxmlformats.org/officeDocument/2006/relationships" xmlns:p="http://schemas.openxmlformats.org/presentationml/2006/main">
+  <p:cSld>
+    <p:spTree>
+      <p:nvGrpSpPr>
+        <p:cNvPr id="1" name=""/>
+        <p:cNvGrpSpPr/>
+        <p:nvPr/>
+      </p:nvGrpSpPr>
+      <p:grpSpPr>
+        <a:xfrm>
+          <a:off x="0" y="0"/>
+          <a:ext cx="0" cy="0"/>
+          <a:chOff x="0" y="0"/>
+          <a:chExt cx="0" cy="0"/>
+        </a:xfrm>
+      </p:grpSpPr>
+      <p:sp>
+        <p:nvSpPr>
+          <p:cNvPr id="2" name="Slide Image Placeholder 1"/>
+          <p:cNvSpPr>
+            <a:spLocks noGrp="1" noRot="1" noChangeAspect="1"/>
+          </p:cNvSpPr>
+          <p:nvPr>
+            <p:ph type="sldImg"/>
+          </p:nvPr>
+        </p:nvSpPr>
+        <p:spPr/>
+      </p:sp>
+      <p:sp>
+        <p:nvSpPr>
+          <p:cNvPr id="3" name="Notes Placeholder 2"/>
+          <p:cNvSpPr>
+            <a:spLocks noGrp="1"/>
+          </p:cNvSpPr>
+          <p:nvPr>
+            <p:ph type="body" idx="1"/>
+          </p:nvPr>
+        </p:nvSpPr>
+        <p:spPr/>
+        <p:txBody>
+          <a:bodyPr/>
+          <a:lstStyle/>
+          <a:p>
+            <a:r>
+              <a:rPr lang="en-US" dirty="0"/>
+              <a:t>https://</a:t>
+            </a:r>
+            <a:r>
+              <a:rPr lang="en-US" dirty="0" err="1"/>
+              <a:t>docs.microsoft.com</a:t>
+            </a:r>
+            <a:r>
+              <a:rPr lang="en-US" dirty="0"/>
+              <a:t>/</a:t>
+            </a:r>
+            <a:r>
+              <a:rPr lang="en-US" dirty="0" err="1"/>
+              <a:t>en</a:t>
+            </a:r>
+            <a:r>
+              <a:rPr lang="en-US" dirty="0"/>
+              <a:t>-us/</a:t>
+            </a:r>
+            <a:r>
+              <a:rPr lang="en-US" dirty="0" err="1"/>
+              <a:t>xamarin</a:t>
+            </a:r>
+            <a:r>
+              <a:rPr lang="en-US" dirty="0"/>
+              <a:t>/android/user-interface/android-designer/</a:t>
+            </a:r>
+            <a:r>
+              <a:rPr lang="en-US" dirty="0" err="1"/>
+              <a:t>designer-basics?tabs</a:t>
+            </a:r>
+            <a:r>
+              <a:rPr lang="en-US" dirty="0"/>
+              <a:t>=</a:t>
+            </a:r>
+            <a:r>
+              <a:rPr lang="en-US" dirty="0" err="1"/>
+              <a:t>vswin#margin</a:t>
+            </a:r>
+            <a:endParaRPr lang="en-US" dirty="0"/>
+          </a:p>
+          <a:p>
+            <a:endParaRPr lang="en-US" dirty="0"/>
+          </a:p>
+        </p:txBody>
+      </p:sp>
+      <p:sp>
+        <p:nvSpPr>
+          <p:cNvPr id="4" name="Slide Number Placeholder 3"/>
+          <p:cNvSpPr>
+            <a:spLocks noGrp="1"/>
+          </p:cNvSpPr>
+          <p:nvPr>
+            <p:ph type="sldNum" sz="quarter" idx="5"/>
+          </p:nvPr>
+        </p:nvSpPr>
+        <p:spPr/>
+        <p:txBody>
+          <a:bodyPr/>
+          <a:lstStyle/>
+          <a:p>
+            <a:fld id="{E94675F0-C2CB-0246-91F1-0967C899A5BC}" type="slidenum">
+              <a:rPr lang="en-US" smtClean="0"/>
+              <a:t>15</a:t>
+            </a:fld>
+            <a:endParaRPr lang="en-US"/>
+          </a:p>
+        </p:txBody>
+      </p:sp>
+    </p:spTree>
+    <p:extLst>
+      <p:ext uri="{BB962C8B-B14F-4D97-AF65-F5344CB8AC3E}">
+        <p14:creationId xmlns:p14="http://schemas.microsoft.com/office/powerpoint/2010/main" val="2078751417"/>
+      </p:ext>
+    </p:extLst>
+  </p:cSld>
+  <p:clrMapOvr>
+    <a:masterClrMapping/>
+  </p:clrMapOvr>
+</p:notes>
+</file>
+
+<file path=ppt/notesSlides/notesSlide5.xml><?xml version="1.0" encoding="utf-8"?>
+<p:notes xmlns:a="http://schemas.openxmlformats.org/drawingml/2006/main" xmlns:r="http://schemas.openxmlformats.org/officeDocument/2006/relationships" xmlns:p="http://schemas.openxmlformats.org/presentationml/2006/main">
+  <p:cSld>
+    <p:spTree>
+      <p:nvGrpSpPr>
+        <p:cNvPr id="1" name=""/>
+        <p:cNvGrpSpPr/>
+        <p:nvPr/>
+      </p:nvGrpSpPr>
+      <p:grpSpPr>
+        <a:xfrm>
+          <a:off x="0" y="0"/>
+          <a:ext cx="0" cy="0"/>
+          <a:chOff x="0" y="0"/>
+          <a:chExt cx="0" cy="0"/>
+        </a:xfrm>
+      </p:grpSpPr>
+      <p:sp>
+        <p:nvSpPr>
+          <p:cNvPr id="2" name="Slide Image Placeholder 1"/>
+          <p:cNvSpPr>
+            <a:spLocks noGrp="1" noRot="1" noChangeAspect="1"/>
+          </p:cNvSpPr>
+          <p:nvPr>
+            <p:ph type="sldImg"/>
+          </p:nvPr>
+        </p:nvSpPr>
+        <p:spPr/>
+      </p:sp>
+      <p:sp>
+        <p:nvSpPr>
+          <p:cNvPr id="3" name="Notes Placeholder 2"/>
+          <p:cNvSpPr>
+            <a:spLocks noGrp="1"/>
+          </p:cNvSpPr>
+          <p:nvPr>
+            <p:ph type="body" idx="1"/>
+          </p:nvPr>
+        </p:nvSpPr>
+        <p:spPr/>
+        <p:txBody>
+          <a:bodyPr/>
+          <a:lstStyle/>
+          <a:p>
+            <a:r>
+              <a:rPr lang="en-US" dirty="0"/>
+              <a:t>https://</a:t>
+            </a:r>
+            <a:r>
+              <a:rPr lang="en-US" dirty="0" err="1"/>
+              <a:t>docs.microsoft.com</a:t>
+            </a:r>
+            <a:r>
+              <a:rPr lang="en-US" dirty="0"/>
+              <a:t>/</a:t>
+            </a:r>
+            <a:r>
+              <a:rPr lang="en-US" dirty="0" err="1"/>
+              <a:t>en</a:t>
+            </a:r>
+            <a:r>
+              <a:rPr lang="en-US" dirty="0"/>
+              <a:t>-us/</a:t>
+            </a:r>
+            <a:r>
+              <a:rPr lang="en-US" dirty="0" err="1"/>
+              <a:t>xamarin</a:t>
+            </a:r>
+            <a:r>
+              <a:rPr lang="en-US" dirty="0"/>
+              <a:t>/android/user-interface/android-designer/</a:t>
+            </a:r>
+            <a:r>
+              <a:rPr lang="en-US" dirty="0" err="1"/>
+              <a:t>designer-basics?tabs</a:t>
+            </a:r>
+            <a:r>
+              <a:rPr lang="en-US" dirty="0"/>
+              <a:t>=</a:t>
+            </a:r>
+            <a:r>
+              <a:rPr lang="en-US" dirty="0" err="1"/>
+              <a:t>vswin#margin</a:t>
+            </a:r>
+            <a:endParaRPr lang="en-US" dirty="0"/>
+          </a:p>
+          <a:p>
+            <a:endParaRPr lang="en-US" dirty="0"/>
+          </a:p>
+        </p:txBody>
+      </p:sp>
+      <p:sp>
+        <p:nvSpPr>
+          <p:cNvPr id="4" name="Slide Number Placeholder 3"/>
+          <p:cNvSpPr>
+            <a:spLocks noGrp="1"/>
+          </p:cNvSpPr>
+          <p:nvPr>
+            <p:ph type="sldNum" sz="quarter" idx="5"/>
+          </p:nvPr>
+        </p:nvSpPr>
+        <p:spPr/>
+        <p:txBody>
+          <a:bodyPr/>
+          <a:lstStyle/>
+          <a:p>
+            <a:fld id="{E94675F0-C2CB-0246-91F1-0967C899A5BC}" type="slidenum">
+              <a:rPr lang="en-US" smtClean="0"/>
+              <a:t>16</a:t>
+            </a:fld>
+            <a:endParaRPr lang="en-US"/>
+          </a:p>
+        </p:txBody>
+      </p:sp>
+    </p:spTree>
+    <p:extLst>
+      <p:ext uri="{BB962C8B-B14F-4D97-AF65-F5344CB8AC3E}">
+        <p14:creationId xmlns:p14="http://schemas.microsoft.com/office/powerpoint/2010/main" val="2795451638"/>
       </p:ext>
     </p:extLst>
   </p:cSld>
@@ -980,7 +1392,7 @@
           </a:lstStyle>
           <a:p>
             <a:r>
-              <a:rPr lang="en-US" smtClean="0"/>
+              <a:rPr lang="en-US"/>
               <a:t>Click to edit Master title style</a:t>
             </a:r>
             <a:endParaRPr lang="en-US" dirty="0"/>
@@ -1099,7 +1511,7 @@
           </a:lstStyle>
           <a:p>
             <a:r>
-              <a:rPr lang="en-US" smtClean="0"/>
+              <a:rPr lang="en-US"/>
               <a:t>Click to edit Master subtitle style</a:t>
             </a:r>
             <a:endParaRPr lang="en-US" dirty="0"/>
@@ -1123,7 +1535,7 @@
           <a:p>
             <a:fld id="{7CE38E4D-051A-41E1-86A4-E56916468FD0}" type="datetimeFigureOut">
               <a:rPr lang="en-US" smtClean="0"/>
-              <a:t>1/29/18</a:t>
+              <a:t>10/15/18</a:t>
             </a:fld>
             <a:endParaRPr lang="en-US"/>
           </a:p>
@@ -1212,10 +1624,9 @@
           <a:lstStyle/>
           <a:p>
             <a:r>
-              <a:rPr lang="en-US" smtClean="0"/>
+              <a:rPr lang="en-US"/>
               <a:t>Click to edit Master title style</a:t>
             </a:r>
-            <a:endParaRPr lang="en-US"/>
           </a:p>
         </p:txBody>
       </p:sp>
@@ -1236,38 +1647,37 @@
           <a:p>
             <a:pPr lvl="0"/>
             <a:r>
-              <a:rPr lang="en-US" smtClean="0"/>
+              <a:rPr lang="en-US"/>
               <a:t>Click to edit Master text styles</a:t>
             </a:r>
           </a:p>
           <a:p>
             <a:pPr lvl="1"/>
             <a:r>
-              <a:rPr lang="en-US" smtClean="0"/>
+              <a:rPr lang="en-US"/>
               <a:t>Second level</a:t>
             </a:r>
           </a:p>
           <a:p>
             <a:pPr lvl="2"/>
             <a:r>
-              <a:rPr lang="en-US" smtClean="0"/>
+              <a:rPr lang="en-US"/>
               <a:t>Third level</a:t>
             </a:r>
           </a:p>
           <a:p>
             <a:pPr lvl="3"/>
             <a:r>
-              <a:rPr lang="en-US" smtClean="0"/>
+              <a:rPr lang="en-US"/>
               <a:t>Fourth level</a:t>
             </a:r>
           </a:p>
           <a:p>
             <a:pPr lvl="4"/>
             <a:r>
-              <a:rPr lang="en-US" smtClean="0"/>
+              <a:rPr lang="en-US"/>
               <a:t>Fifth level</a:t>
             </a:r>
-            <a:endParaRPr lang="en-US"/>
           </a:p>
         </p:txBody>
       </p:sp>
@@ -1288,7 +1698,7 @@
           <a:p>
             <a:fld id="{7CE38E4D-051A-41E1-86A4-E56916468FD0}" type="datetimeFigureOut">
               <a:rPr lang="en-US" smtClean="0"/>
-              <a:t>1/29/18</a:t>
+              <a:t>10/15/18</a:t>
             </a:fld>
             <a:endParaRPr lang="en-US"/>
           </a:p>
@@ -1382,7 +1792,7 @@
           <a:lstStyle/>
           <a:p>
             <a:r>
-              <a:rPr lang="en-US" smtClean="0"/>
+              <a:rPr lang="en-US"/>
               <a:t>Click to edit Master title style</a:t>
             </a:r>
             <a:endParaRPr lang="en-US" dirty="0"/>
@@ -1411,35 +1821,35 @@
           <a:p>
             <a:pPr lvl="0"/>
             <a:r>
-              <a:rPr lang="en-US" smtClean="0"/>
+              <a:rPr lang="en-US"/>
               <a:t>Click to edit Master text styles</a:t>
             </a:r>
           </a:p>
           <a:p>
             <a:pPr lvl="1"/>
             <a:r>
-              <a:rPr lang="en-US" smtClean="0"/>
+              <a:rPr lang="en-US"/>
               <a:t>Second level</a:t>
             </a:r>
           </a:p>
           <a:p>
             <a:pPr lvl="2"/>
             <a:r>
-              <a:rPr lang="en-US" smtClean="0"/>
+              <a:rPr lang="en-US"/>
               <a:t>Third level</a:t>
             </a:r>
           </a:p>
           <a:p>
             <a:pPr lvl="3"/>
             <a:r>
-              <a:rPr lang="en-US" smtClean="0"/>
+              <a:rPr lang="en-US"/>
               <a:t>Fourth level</a:t>
             </a:r>
           </a:p>
           <a:p>
             <a:pPr lvl="4"/>
             <a:r>
-              <a:rPr lang="en-US" smtClean="0"/>
+              <a:rPr lang="en-US"/>
               <a:t>Fifth level</a:t>
             </a:r>
             <a:endParaRPr lang="en-US" dirty="0"/>
@@ -1463,7 +1873,7 @@
           <a:p>
             <a:fld id="{7CE38E4D-051A-41E1-86A4-E56916468FD0}" type="datetimeFigureOut">
               <a:rPr lang="en-US" smtClean="0"/>
-              <a:t>1/29/18</a:t>
+              <a:t>10/15/18</a:t>
             </a:fld>
             <a:endParaRPr lang="en-US"/>
           </a:p>
@@ -1552,7 +1962,7 @@
           <a:lstStyle/>
           <a:p>
             <a:r>
-              <a:rPr lang="en-US" smtClean="0"/>
+              <a:rPr lang="en-US"/>
               <a:t>Click to edit Master title style</a:t>
             </a:r>
             <a:endParaRPr lang="en-US" dirty="0"/>
@@ -1576,35 +1986,35 @@
           <a:p>
             <a:pPr lvl="0"/>
             <a:r>
-              <a:rPr lang="en-US" smtClean="0"/>
+              <a:rPr lang="en-US"/>
               <a:t>Click to edit Master text styles</a:t>
             </a:r>
           </a:p>
           <a:p>
             <a:pPr lvl="1"/>
             <a:r>
-              <a:rPr lang="en-US" smtClean="0"/>
+              <a:rPr lang="en-US"/>
               <a:t>Second level</a:t>
             </a:r>
           </a:p>
           <a:p>
             <a:pPr lvl="2"/>
             <a:r>
-              <a:rPr lang="en-US" smtClean="0"/>
+              <a:rPr lang="en-US"/>
               <a:t>Third level</a:t>
             </a:r>
           </a:p>
           <a:p>
             <a:pPr lvl="3"/>
             <a:r>
-              <a:rPr lang="en-US" smtClean="0"/>
+              <a:rPr lang="en-US"/>
               <a:t>Fourth level</a:t>
             </a:r>
           </a:p>
           <a:p>
             <a:pPr lvl="4"/>
             <a:r>
-              <a:rPr lang="en-US" smtClean="0"/>
+              <a:rPr lang="en-US"/>
               <a:t>Fifth level</a:t>
             </a:r>
             <a:endParaRPr lang="en-US" dirty="0"/>
@@ -1628,7 +2038,7 @@
           <a:p>
             <a:fld id="{7CE38E4D-051A-41E1-86A4-E56916468FD0}" type="datetimeFigureOut">
               <a:rPr lang="en-US" smtClean="0"/>
-              <a:t>1/29/18</a:t>
+              <a:t>10/15/18</a:t>
             </a:fld>
             <a:endParaRPr lang="en-US"/>
           </a:p>
@@ -1726,7 +2136,7 @@
           </a:lstStyle>
           <a:p>
             <a:r>
-              <a:rPr lang="en-US" smtClean="0"/>
+              <a:rPr lang="en-US"/>
               <a:t>Click to edit Master title style</a:t>
             </a:r>
             <a:endParaRPr lang="en-US" dirty="0"/>
@@ -1844,7 +2254,7 @@
           <a:p>
             <a:pPr lvl="0"/>
             <a:r>
-              <a:rPr lang="en-US" smtClean="0"/>
+              <a:rPr lang="en-US"/>
               <a:t>Click to edit Master text styles</a:t>
             </a:r>
           </a:p>
@@ -1867,7 +2277,7 @@
           <a:p>
             <a:fld id="{7CE38E4D-051A-41E1-86A4-E56916468FD0}" type="datetimeFigureOut">
               <a:rPr lang="en-US" smtClean="0"/>
-              <a:t>1/29/18</a:t>
+              <a:t>10/15/18</a:t>
             </a:fld>
             <a:endParaRPr lang="en-US"/>
           </a:p>
@@ -1956,10 +2366,9 @@
           <a:lstStyle/>
           <a:p>
             <a:r>
-              <a:rPr lang="en-US" smtClean="0"/>
+              <a:rPr lang="en-US"/>
               <a:t>Click to edit Master title style</a:t>
             </a:r>
-            <a:endParaRPr lang="en-US"/>
           </a:p>
         </p:txBody>
       </p:sp>
@@ -2013,38 +2422,37 @@
           <a:p>
             <a:pPr lvl="0"/>
             <a:r>
-              <a:rPr lang="en-US" smtClean="0"/>
+              <a:rPr lang="en-US"/>
               <a:t>Click to edit Master text styles</a:t>
             </a:r>
           </a:p>
           <a:p>
             <a:pPr lvl="1"/>
             <a:r>
-              <a:rPr lang="en-US" smtClean="0"/>
+              <a:rPr lang="en-US"/>
               <a:t>Second level</a:t>
             </a:r>
           </a:p>
           <a:p>
             <a:pPr lvl="2"/>
             <a:r>
-              <a:rPr lang="en-US" smtClean="0"/>
+              <a:rPr lang="en-US"/>
               <a:t>Third level</a:t>
             </a:r>
           </a:p>
           <a:p>
             <a:pPr lvl="3"/>
             <a:r>
-              <a:rPr lang="en-US" smtClean="0"/>
+              <a:rPr lang="en-US"/>
               <a:t>Fourth level</a:t>
             </a:r>
           </a:p>
           <a:p>
             <a:pPr lvl="4"/>
             <a:r>
-              <a:rPr lang="en-US" smtClean="0"/>
+              <a:rPr lang="en-US"/>
               <a:t>Fifth level</a:t>
             </a:r>
-            <a:endParaRPr lang="en-US"/>
           </a:p>
         </p:txBody>
       </p:sp>
@@ -2098,38 +2506,37 @@
           <a:p>
             <a:pPr lvl="0"/>
             <a:r>
-              <a:rPr lang="en-US" smtClean="0"/>
+              <a:rPr lang="en-US"/>
               <a:t>Click to edit Master text styles</a:t>
             </a:r>
           </a:p>
           <a:p>
             <a:pPr lvl="1"/>
             <a:r>
-              <a:rPr lang="en-US" smtClean="0"/>
+              <a:rPr lang="en-US"/>
               <a:t>Second level</a:t>
             </a:r>
           </a:p>
           <a:p>
             <a:pPr lvl="2"/>
             <a:r>
-              <a:rPr lang="en-US" smtClean="0"/>
+              <a:rPr lang="en-US"/>
               <a:t>Third level</a:t>
             </a:r>
           </a:p>
           <a:p>
             <a:pPr lvl="3"/>
             <a:r>
-              <a:rPr lang="en-US" smtClean="0"/>
+              <a:rPr lang="en-US"/>
               <a:t>Fourth level</a:t>
             </a:r>
           </a:p>
           <a:p>
             <a:pPr lvl="4"/>
             <a:r>
-              <a:rPr lang="en-US" smtClean="0"/>
+              <a:rPr lang="en-US"/>
               <a:t>Fifth level</a:t>
             </a:r>
-            <a:endParaRPr lang="en-US"/>
           </a:p>
         </p:txBody>
       </p:sp>
@@ -2150,7 +2557,7 @@
           <a:p>
             <a:fld id="{7CE38E4D-051A-41E1-86A4-E56916468FD0}" type="datetimeFigureOut">
               <a:rPr lang="en-US" smtClean="0"/>
-              <a:t>1/29/18</a:t>
+              <a:t>10/15/18</a:t>
             </a:fld>
             <a:endParaRPr lang="en-US"/>
           </a:p>
@@ -2243,7 +2650,7 @@
           </a:lstStyle>
           <a:p>
             <a:r>
-              <a:rPr lang="en-US" smtClean="0"/>
+              <a:rPr lang="en-US"/>
               <a:t>Click to edit Master title style</a:t>
             </a:r>
             <a:endParaRPr lang="en-US" dirty="0"/>
@@ -2309,7 +2716,7 @@
           <a:p>
             <a:pPr lvl="0"/>
             <a:r>
-              <a:rPr lang="en-US" smtClean="0"/>
+              <a:rPr lang="en-US"/>
               <a:t>Click to edit Master text styles</a:t>
             </a:r>
           </a:p>
@@ -2365,38 +2772,37 @@
           <a:p>
             <a:pPr lvl="0"/>
             <a:r>
-              <a:rPr lang="en-US" smtClean="0"/>
+              <a:rPr lang="en-US"/>
               <a:t>Click to edit Master text styles</a:t>
             </a:r>
           </a:p>
           <a:p>
             <a:pPr lvl="1"/>
             <a:r>
-              <a:rPr lang="en-US" smtClean="0"/>
+              <a:rPr lang="en-US"/>
               <a:t>Second level</a:t>
             </a:r>
           </a:p>
           <a:p>
             <a:pPr lvl="2"/>
             <a:r>
-              <a:rPr lang="en-US" smtClean="0"/>
+              <a:rPr lang="en-US"/>
               <a:t>Third level</a:t>
             </a:r>
           </a:p>
           <a:p>
             <a:pPr lvl="3"/>
             <a:r>
-              <a:rPr lang="en-US" smtClean="0"/>
+              <a:rPr lang="en-US"/>
               <a:t>Fourth level</a:t>
             </a:r>
           </a:p>
           <a:p>
             <a:pPr lvl="4"/>
             <a:r>
-              <a:rPr lang="en-US" smtClean="0"/>
+              <a:rPr lang="en-US"/>
               <a:t>Fifth level</a:t>
             </a:r>
-            <a:endParaRPr lang="en-US"/>
           </a:p>
         </p:txBody>
       </p:sp>
@@ -2459,7 +2865,7 @@
           <a:p>
             <a:pPr lvl="0"/>
             <a:r>
-              <a:rPr lang="en-US" smtClean="0"/>
+              <a:rPr lang="en-US"/>
               <a:t>Click to edit Master text styles</a:t>
             </a:r>
           </a:p>
@@ -2515,38 +2921,37 @@
           <a:p>
             <a:pPr lvl="0"/>
             <a:r>
-              <a:rPr lang="en-US" smtClean="0"/>
+              <a:rPr lang="en-US"/>
               <a:t>Click to edit Master text styles</a:t>
             </a:r>
           </a:p>
           <a:p>
             <a:pPr lvl="1"/>
             <a:r>
-              <a:rPr lang="en-US" smtClean="0"/>
+              <a:rPr lang="en-US"/>
               <a:t>Second level</a:t>
             </a:r>
           </a:p>
           <a:p>
             <a:pPr lvl="2"/>
             <a:r>
-              <a:rPr lang="en-US" smtClean="0"/>
+              <a:rPr lang="en-US"/>
               <a:t>Third level</a:t>
             </a:r>
           </a:p>
           <a:p>
             <a:pPr lvl="3"/>
             <a:r>
-              <a:rPr lang="en-US" smtClean="0"/>
+              <a:rPr lang="en-US"/>
               <a:t>Fourth level</a:t>
             </a:r>
           </a:p>
           <a:p>
             <a:pPr lvl="4"/>
             <a:r>
-              <a:rPr lang="en-US" smtClean="0"/>
+              <a:rPr lang="en-US"/>
               <a:t>Fifth level</a:t>
             </a:r>
-            <a:endParaRPr lang="en-US"/>
           </a:p>
         </p:txBody>
       </p:sp>
@@ -2567,7 +2972,7 @@
           <a:p>
             <a:fld id="{7CE38E4D-051A-41E1-86A4-E56916468FD0}" type="datetimeFigureOut">
               <a:rPr lang="en-US" smtClean="0"/>
-              <a:t>1/29/18</a:t>
+              <a:t>10/15/18</a:t>
             </a:fld>
             <a:endParaRPr lang="en-US"/>
           </a:p>
@@ -2656,10 +3061,9 @@
           <a:lstStyle/>
           <a:p>
             <a:r>
-              <a:rPr lang="en-US" smtClean="0"/>
+              <a:rPr lang="en-US"/>
               <a:t>Click to edit Master title style</a:t>
             </a:r>
-            <a:endParaRPr lang="en-US"/>
           </a:p>
         </p:txBody>
       </p:sp>
@@ -2680,7 +3084,7 @@
           <a:p>
             <a:fld id="{7CE38E4D-051A-41E1-86A4-E56916468FD0}" type="datetimeFigureOut">
               <a:rPr lang="en-US" smtClean="0"/>
-              <a:t>1/29/18</a:t>
+              <a:t>10/15/18</a:t>
             </a:fld>
             <a:endParaRPr lang="en-US"/>
           </a:p>
@@ -2770,7 +3174,7 @@
           <a:p>
             <a:fld id="{7CE38E4D-051A-41E1-86A4-E56916468FD0}" type="datetimeFigureOut">
               <a:rPr lang="en-US" smtClean="0"/>
-              <a:t>1/29/18</a:t>
+              <a:t>10/15/18</a:t>
             </a:fld>
             <a:endParaRPr lang="en-US"/>
           </a:p>
@@ -2868,7 +3272,7 @@
           </a:lstStyle>
           <a:p>
             <a:r>
-              <a:rPr lang="en-US" smtClean="0"/>
+              <a:rPr lang="en-US"/>
               <a:t>Click to edit Master title style</a:t>
             </a:r>
             <a:endParaRPr lang="en-US" dirty="0"/>
@@ -2925,38 +3329,37 @@
           <a:p>
             <a:pPr lvl="0"/>
             <a:r>
-              <a:rPr lang="en-US" smtClean="0"/>
+              <a:rPr lang="en-US"/>
               <a:t>Click to edit Master text styles</a:t>
             </a:r>
           </a:p>
           <a:p>
             <a:pPr lvl="1"/>
             <a:r>
-              <a:rPr lang="en-US" smtClean="0"/>
+              <a:rPr lang="en-US"/>
               <a:t>Second level</a:t>
             </a:r>
           </a:p>
           <a:p>
             <a:pPr lvl="2"/>
             <a:r>
-              <a:rPr lang="en-US" smtClean="0"/>
+              <a:rPr lang="en-US"/>
               <a:t>Third level</a:t>
             </a:r>
           </a:p>
           <a:p>
             <a:pPr lvl="3"/>
             <a:r>
-              <a:rPr lang="en-US" smtClean="0"/>
+              <a:rPr lang="en-US"/>
               <a:t>Fourth level</a:t>
             </a:r>
           </a:p>
           <a:p>
             <a:pPr lvl="4"/>
             <a:r>
-              <a:rPr lang="en-US" smtClean="0"/>
+              <a:rPr lang="en-US"/>
               <a:t>Fifth level</a:t>
             </a:r>
-            <a:endParaRPr lang="en-US"/>
           </a:p>
         </p:txBody>
       </p:sp>
@@ -3026,7 +3429,7 @@
           <a:p>
             <a:pPr lvl="0"/>
             <a:r>
-              <a:rPr lang="en-US" smtClean="0"/>
+              <a:rPr lang="en-US"/>
               <a:t>Click to edit Master text styles</a:t>
             </a:r>
           </a:p>
@@ -3049,7 +3452,7 @@
           <a:p>
             <a:fld id="{7CE38E4D-051A-41E1-86A4-E56916468FD0}" type="datetimeFigureOut">
               <a:rPr lang="en-US" smtClean="0"/>
-              <a:t>1/29/18</a:t>
+              <a:t>10/15/18</a:t>
             </a:fld>
             <a:endParaRPr lang="en-US"/>
           </a:p>
@@ -3147,7 +3550,7 @@
           </a:lstStyle>
           <a:p>
             <a:r>
-              <a:rPr lang="en-US" smtClean="0"/>
+              <a:rPr lang="en-US"/>
               <a:t>Click to edit Master title style</a:t>
             </a:r>
             <a:endParaRPr lang="en-US" dirty="0"/>
@@ -3212,10 +3615,9 @@
           </a:lstStyle>
           <a:p>
             <a:r>
-              <a:rPr lang="en-US" smtClean="0"/>
+              <a:rPr lang="en-US"/>
               <a:t>Drag picture to placeholder or click icon to add</a:t>
             </a:r>
-            <a:endParaRPr lang="en-US"/>
           </a:p>
         </p:txBody>
       </p:sp>
@@ -3285,7 +3687,7 @@
           <a:p>
             <a:pPr lvl="0"/>
             <a:r>
-              <a:rPr lang="en-US" smtClean="0"/>
+              <a:rPr lang="en-US"/>
               <a:t>Click to edit Master text styles</a:t>
             </a:r>
           </a:p>
@@ -3308,7 +3710,7 @@
           <a:p>
             <a:fld id="{7CE38E4D-051A-41E1-86A4-E56916468FD0}" type="datetimeFigureOut">
               <a:rPr lang="en-US" smtClean="0"/>
-              <a:t>1/29/18</a:t>
+              <a:t>10/15/18</a:t>
             </a:fld>
             <a:endParaRPr lang="en-US"/>
           </a:p>
@@ -3412,7 +3814,7 @@
           <a:lstStyle/>
           <a:p>
             <a:r>
-              <a:rPr lang="en-US" smtClean="0"/>
+              <a:rPr lang="en-US"/>
               <a:t>Click to edit Master title style</a:t>
             </a:r>
             <a:endParaRPr lang="en-US" dirty="0"/>
@@ -3446,35 +3848,35 @@
           <a:p>
             <a:pPr lvl="0"/>
             <a:r>
-              <a:rPr lang="en-US" smtClean="0"/>
+              <a:rPr lang="en-US"/>
               <a:t>Click to edit Master text styles</a:t>
             </a:r>
           </a:p>
           <a:p>
             <a:pPr lvl="1"/>
             <a:r>
-              <a:rPr lang="en-US" smtClean="0"/>
+              <a:rPr lang="en-US"/>
               <a:t>Second level</a:t>
             </a:r>
           </a:p>
           <a:p>
             <a:pPr lvl="2"/>
             <a:r>
-              <a:rPr lang="en-US" smtClean="0"/>
+              <a:rPr lang="en-US"/>
               <a:t>Third level</a:t>
             </a:r>
           </a:p>
           <a:p>
             <a:pPr lvl="3"/>
             <a:r>
-              <a:rPr lang="en-US" smtClean="0"/>
+              <a:rPr lang="en-US"/>
               <a:t>Fourth level</a:t>
             </a:r>
           </a:p>
           <a:p>
             <a:pPr lvl="4"/>
             <a:r>
-              <a:rPr lang="en-US" smtClean="0"/>
+              <a:rPr lang="en-US"/>
               <a:t>Fifth level</a:t>
             </a:r>
             <a:endParaRPr lang="en-US" dirty="0"/>
@@ -3516,7 +3918,7 @@
           <a:p>
             <a:fld id="{7CE38E4D-051A-41E1-86A4-E56916468FD0}" type="datetimeFigureOut">
               <a:rPr lang="en-US" smtClean="0"/>
-              <a:t>1/29/18</a:t>
+              <a:t>10/15/18</a:t>
             </a:fld>
             <a:endParaRPr lang="en-US"/>
           </a:p>
@@ -3980,14 +4382,9 @@
           <a:lstStyle/>
           <a:p>
             <a:r>
-              <a:rPr lang="en-US" dirty="0" smtClean="0"/>
-              <a:t>Layouts and </a:t>
-            </a:r>
-            <a:r>
-              <a:rPr lang="en-US" dirty="0" smtClean="0"/>
-              <a:t>Orientation</a:t>
-            </a:r>
-            <a:endParaRPr lang="en-US" dirty="0"/>
+              <a:rPr lang="en-US" dirty="0"/>
+              <a:t>Layouts and Orientation</a:t>
+            </a:r>
           </a:p>
         </p:txBody>
       </p:sp>
@@ -4012,16 +4409,15 @@
           <a:lstStyle/>
           <a:p>
             <a:r>
-              <a:rPr lang="en-US" dirty="0" smtClean="0"/>
+              <a:rPr lang="en-US" dirty="0"/>
               <a:t>CS235AM</a:t>
             </a:r>
           </a:p>
           <a:p>
             <a:r>
-              <a:rPr lang="en-US" dirty="0" smtClean="0"/>
+              <a:rPr lang="en-US" dirty="0"/>
               <a:t>Android App Development</a:t>
             </a:r>
-            <a:endParaRPr lang="en-US" dirty="0"/>
           </a:p>
         </p:txBody>
       </p:sp>
@@ -4050,25 +4446,20 @@
             <a:pPr algn="ctr"/>
             <a:r>
               <a:rPr lang="en-US" dirty="0"/>
-              <a:t>b</a:t>
-            </a:r>
-            <a:r>
-              <a:rPr lang="en-US" dirty="0" smtClean="0"/>
-              <a:t>y Brian Bird</a:t>
+              <a:t>by Brian Bird</a:t>
             </a:r>
           </a:p>
           <a:p>
             <a:pPr algn="ctr"/>
             <a:r>
-              <a:rPr lang="en-US" dirty="0" smtClean="0"/>
+              <a:rPr lang="en-US" dirty="0"/>
               <a:t>Winter 2018</a:t>
             </a:r>
-            <a:endParaRPr lang="en-US" dirty="0" smtClean="0"/>
           </a:p>
           <a:p>
             <a:pPr algn="ctr"/>
             <a:r>
-              <a:rPr lang="en-US" dirty="0" smtClean="0"/>
+              <a:rPr lang="en-US" dirty="0"/>
               <a:t>Lane Community College</a:t>
             </a:r>
           </a:p>
@@ -4084,13 +4475,6 @@
   <p:clrMapOvr>
     <a:masterClrMapping/>
   </p:clrMapOvr>
-  <p:timing>
-    <p:tnLst>
-      <p:par>
-        <p:cTn id="1" dur="indefinite" restart="never" nodeType="tmRoot"/>
-      </p:par>
-    </p:tnLst>
-  </p:timing>
 </p:sld>
 </file>
 
@@ -4135,19 +4519,11 @@
           <a:p>
             <a:r>
               <a:rPr lang="en-US" b="1" dirty="0"/>
-              <a:t>A vertical layout </a:t>
-            </a:r>
-            <a:r>
-              <a:rPr lang="en-US" b="1" dirty="0" smtClean="0"/>
-              <a:t>with </a:t>
+              <a:t>A vertical layout with </a:t>
             </a:r>
             <a:r>
               <a:rPr lang="en-US" b="1"/>
-              <a:t>buttons </a:t>
-            </a:r>
-            <a:r>
-              <a:rPr lang="en-US" b="1" smtClean="0"/>
-              <a:t>centered </a:t>
+              <a:t>buttons centered </a:t>
             </a:r>
             <a:r>
               <a:rPr lang="en-US" b="1" dirty="0"/>
@@ -4184,17 +4560,13 @@
           <a:p>
             <a:r>
               <a:rPr lang="en-US" dirty="0"/>
-              <a:t>The gravity attribute for both </a:t>
-            </a:r>
-            <a:r>
-              <a:rPr lang="en-US" dirty="0" smtClean="0"/>
-              <a:t>buttons:</a:t>
+              <a:t>The gravity attribute for both buttons:</a:t>
             </a:r>
             <a:br>
-              <a:rPr lang="en-US" dirty="0" smtClean="0"/>
+              <a:rPr lang="en-US" dirty="0"/>
             </a:br>
             <a:r>
-              <a:rPr lang="en-US" dirty="0" err="1" smtClean="0">
+              <a:rPr lang="en-US" dirty="0" err="1">
                 <a:latin typeface="Courier" charset="0"/>
                 <a:ea typeface="Courier" charset="0"/>
                 <a:cs typeface="Courier" charset="0"/>
@@ -4212,18 +4584,11 @@
           </a:p>
           <a:p>
             <a:r>
-              <a:rPr lang="en-US" dirty="0" smtClean="0">
-                <a:latin typeface="Calibri"/>
-                <a:cs typeface="Calibri"/>
-              </a:rPr>
-              <a:t>This </a:t>
-            </a:r>
-            <a:r>
               <a:rPr lang="en-US" dirty="0">
                 <a:latin typeface="Calibri"/>
                 <a:cs typeface="Calibri"/>
               </a:rPr>
-              <a:t>an attribute of the LinearLayout, not the Button</a:t>
+              <a:t>This an attribute of the LinearLayout, not the Button</a:t>
             </a:r>
           </a:p>
           <a:p>
@@ -4283,14 +4648,13 @@
               <a:defRPr/>
             </a:pPr>
             <a:r>
-              <a:rPr lang="en-US" dirty="0" err="1" smtClean="0"/>
+              <a:rPr lang="en-US" dirty="0" err="1"/>
               <a:t>Murach's</a:t>
             </a:r>
             <a:r>
-              <a:rPr lang="en-US" dirty="0" smtClean="0"/>
+              <a:rPr lang="en-US" dirty="0"/>
               <a:t> Android Programming, C5</a:t>
             </a:r>
-            <a:endParaRPr lang="en-US" dirty="0"/>
           </a:p>
         </p:txBody>
       </p:sp>
@@ -4318,10 +4682,9 @@
               <a:defRPr/>
             </a:pPr>
             <a:r>
-              <a:rPr lang="en-US" dirty="0" smtClean="0"/>
+              <a:rPr lang="en-US" dirty="0"/>
               <a:t>© 2015, Mike Murach &amp; Associates, Inc., modified by Brian Bird 2016</a:t>
             </a:r>
-            <a:endParaRPr lang="en-US" dirty="0"/>
           </a:p>
         </p:txBody>
       </p:sp>
@@ -4670,7 +5033,7 @@
         <p:spPr/>
         <p:txBody>
           <a:bodyPr>
-            <a:normAutofit fontScale="85000" lnSpcReduction="10000"/>
+            <a:normAutofit fontScale="92500" lnSpcReduction="20000"/>
           </a:bodyPr>
           <a:lstStyle/>
           <a:p>
@@ -4734,6 +5097,459 @@
       </p:grpSpPr>
       <p:sp>
         <p:nvSpPr>
+          <p:cNvPr id="2" name="Title 1">
+            <a:extLst>
+              <a:ext uri="{FF2B5EF4-FFF2-40B4-BE49-F238E27FC236}">
+                <a16:creationId xmlns:a16="http://schemas.microsoft.com/office/drawing/2014/main" id="{80BB211D-5E74-9C47-A166-9B48B5DB6A69}"/>
+              </a:ext>
+            </a:extLst>
+          </p:cNvPr>
+          <p:cNvSpPr>
+            <a:spLocks noGrp="1"/>
+          </p:cNvSpPr>
+          <p:nvPr>
+            <p:ph type="title"/>
+          </p:nvPr>
+        </p:nvSpPr>
+        <p:spPr/>
+        <p:txBody>
+          <a:bodyPr>
+            <a:noAutofit/>
+          </a:bodyPr>
+          <a:lstStyle/>
+          <a:p>
+            <a:r>
+              <a:rPr lang="en-US" sz="4400" dirty="0"/>
+              <a:t>Layout Designer – Relative Layout</a:t>
+            </a:r>
+          </a:p>
+        </p:txBody>
+      </p:sp>
+      <p:sp>
+        <p:nvSpPr>
+          <p:cNvPr id="3" name="Content Placeholder 2">
+            <a:extLst>
+              <a:ext uri="{FF2B5EF4-FFF2-40B4-BE49-F238E27FC236}">
+                <a16:creationId xmlns:a16="http://schemas.microsoft.com/office/drawing/2014/main" id="{D5BED8D4-AF0C-634E-89E3-1AABB488A33A}"/>
+              </a:ext>
+            </a:extLst>
+          </p:cNvPr>
+          <p:cNvSpPr>
+            <a:spLocks noGrp="1"/>
+          </p:cNvSpPr>
+          <p:nvPr>
+            <p:ph idx="1"/>
+          </p:nvPr>
+        </p:nvSpPr>
+        <p:spPr>
+          <a:xfrm>
+            <a:off x="457200" y="1600200"/>
+            <a:ext cx="8229600" cy="2043545"/>
+          </a:xfrm>
+        </p:spPr>
+        <p:txBody>
+          <a:bodyPr>
+            <a:normAutofit fontScale="70000" lnSpcReduction="20000"/>
+          </a:bodyPr>
+          <a:lstStyle/>
+          <a:p>
+            <a:pPr marL="0" indent="0">
+              <a:buNone/>
+            </a:pPr>
+            <a:r>
+              <a:rPr lang="en-US" b="1" dirty="0"/>
+              <a:t>Adjusting  Size</a:t>
+            </a:r>
+          </a:p>
+          <a:p>
+            <a:r>
+              <a:rPr lang="en-US" dirty="0"/>
+              <a:t>The first time you click a widget, size handles appear</a:t>
+            </a:r>
+          </a:p>
+          <a:p>
+            <a:r>
+              <a:rPr lang="en-US" dirty="0"/>
+              <a:t>Drag the circular handles to adjust the size</a:t>
+            </a:r>
+          </a:p>
+          <a:p>
+            <a:r>
+              <a:rPr lang="en-US" dirty="0"/>
+              <a:t>Click on the arrow handles to fill the parent in that direction</a:t>
+            </a:r>
+          </a:p>
+          <a:p>
+            <a:endParaRPr lang="en-US" dirty="0"/>
+          </a:p>
+        </p:txBody>
+      </p:sp>
+      <p:pic>
+        <p:nvPicPr>
+          <p:cNvPr id="8" name="Picture 7">
+            <a:extLst>
+              <a:ext uri="{FF2B5EF4-FFF2-40B4-BE49-F238E27FC236}">
+                <a16:creationId xmlns:a16="http://schemas.microsoft.com/office/drawing/2014/main" id="{16508FA2-D6AF-C54A-95A9-AAB8C02E30BD}"/>
+              </a:ext>
+            </a:extLst>
+          </p:cNvPr>
+          <p:cNvPicPr>
+            <a:picLocks noChangeAspect="1"/>
+          </p:cNvPicPr>
+          <p:nvPr/>
+        </p:nvPicPr>
+        <p:blipFill>
+          <a:blip r:embed="rId3">
+            <a:extLst>
+              <a:ext uri="{28A0092B-C50C-407E-A947-70E740481C1C}">
+                <a14:useLocalDpi xmlns:a14="http://schemas.microsoft.com/office/drawing/2010/main" val="0"/>
+              </a:ext>
+            </a:extLst>
+          </a:blip>
+          <a:stretch>
+            <a:fillRect/>
+          </a:stretch>
+        </p:blipFill>
+        <p:spPr>
+          <a:xfrm>
+            <a:off x="1898073" y="3840025"/>
+            <a:ext cx="4637557" cy="1893440"/>
+          </a:xfrm>
+          <a:prstGeom prst="rect">
+            <a:avLst/>
+          </a:prstGeom>
+        </p:spPr>
+      </p:pic>
+    </p:spTree>
+    <p:extLst>
+      <p:ext uri="{BB962C8B-B14F-4D97-AF65-F5344CB8AC3E}">
+        <p14:creationId xmlns:p14="http://schemas.microsoft.com/office/powerpoint/2010/main" val="1360710951"/>
+      </p:ext>
+    </p:extLst>
+  </p:cSld>
+  <p:clrMapOvr>
+    <a:masterClrMapping/>
+  </p:clrMapOvr>
+</p:sld>
+</file>
+
+<file path=ppt/slides/slide15.xml><?xml version="1.0" encoding="utf-8"?>
+<p:sld xmlns:a="http://schemas.openxmlformats.org/drawingml/2006/main" xmlns:r="http://schemas.openxmlformats.org/officeDocument/2006/relationships" xmlns:p="http://schemas.openxmlformats.org/presentationml/2006/main">
+  <p:cSld>
+    <p:spTree>
+      <p:nvGrpSpPr>
+        <p:cNvPr id="1" name=""/>
+        <p:cNvGrpSpPr/>
+        <p:nvPr/>
+      </p:nvGrpSpPr>
+      <p:grpSpPr>
+        <a:xfrm>
+          <a:off x="0" y="0"/>
+          <a:ext cx="0" cy="0"/>
+          <a:chOff x="0" y="0"/>
+          <a:chExt cx="0" cy="0"/>
+        </a:xfrm>
+      </p:grpSpPr>
+      <p:sp>
+        <p:nvSpPr>
+          <p:cNvPr id="2" name="Title 1">
+            <a:extLst>
+              <a:ext uri="{FF2B5EF4-FFF2-40B4-BE49-F238E27FC236}">
+                <a16:creationId xmlns:a16="http://schemas.microsoft.com/office/drawing/2014/main" id="{80BB211D-5E74-9C47-A166-9B48B5DB6A69}"/>
+              </a:ext>
+            </a:extLst>
+          </p:cNvPr>
+          <p:cNvSpPr>
+            <a:spLocks noGrp="1"/>
+          </p:cNvSpPr>
+          <p:nvPr>
+            <p:ph type="title"/>
+          </p:nvPr>
+        </p:nvSpPr>
+        <p:spPr/>
+        <p:txBody>
+          <a:bodyPr>
+            <a:noAutofit/>
+          </a:bodyPr>
+          <a:lstStyle/>
+          <a:p>
+            <a:r>
+              <a:rPr lang="en-US" sz="4400" dirty="0"/>
+              <a:t>Layout Designer – Relative Layout</a:t>
+            </a:r>
+          </a:p>
+        </p:txBody>
+      </p:sp>
+      <p:sp>
+        <p:nvSpPr>
+          <p:cNvPr id="3" name="Content Placeholder 2">
+            <a:extLst>
+              <a:ext uri="{FF2B5EF4-FFF2-40B4-BE49-F238E27FC236}">
+                <a16:creationId xmlns:a16="http://schemas.microsoft.com/office/drawing/2014/main" id="{D5BED8D4-AF0C-634E-89E3-1AABB488A33A}"/>
+              </a:ext>
+            </a:extLst>
+          </p:cNvPr>
+          <p:cNvSpPr>
+            <a:spLocks noGrp="1"/>
+          </p:cNvSpPr>
+          <p:nvPr>
+            <p:ph idx="1"/>
+          </p:nvPr>
+        </p:nvSpPr>
+        <p:spPr>
+          <a:xfrm>
+            <a:off x="457200" y="1600200"/>
+            <a:ext cx="8229600" cy="2043545"/>
+          </a:xfrm>
+        </p:spPr>
+        <p:txBody>
+          <a:bodyPr>
+            <a:normAutofit fontScale="77500" lnSpcReduction="20000"/>
+          </a:bodyPr>
+          <a:lstStyle/>
+          <a:p>
+            <a:pPr marL="0" indent="0">
+              <a:buNone/>
+            </a:pPr>
+            <a:r>
+              <a:rPr lang="en-US" b="1" dirty="0"/>
+              <a:t>Adjusting Widget Margins</a:t>
+            </a:r>
+          </a:p>
+          <a:p>
+            <a:r>
+              <a:rPr lang="en-US" dirty="0"/>
+              <a:t>The second time you click a widget, margin handles appear</a:t>
+            </a:r>
+          </a:p>
+          <a:p>
+            <a:r>
+              <a:rPr lang="en-US" dirty="0"/>
+              <a:t>Drag the handles to adjust the margin</a:t>
+            </a:r>
+          </a:p>
+          <a:p>
+            <a:endParaRPr lang="en-US" dirty="0"/>
+          </a:p>
+        </p:txBody>
+      </p:sp>
+      <p:pic>
+        <p:nvPicPr>
+          <p:cNvPr id="4" name="Picture 3">
+            <a:extLst>
+              <a:ext uri="{FF2B5EF4-FFF2-40B4-BE49-F238E27FC236}">
+                <a16:creationId xmlns:a16="http://schemas.microsoft.com/office/drawing/2014/main" id="{0C97390B-F5C3-2E4E-8845-286CE9583509}"/>
+              </a:ext>
+            </a:extLst>
+          </p:cNvPr>
+          <p:cNvPicPr>
+            <a:picLocks noChangeAspect="1"/>
+          </p:cNvPicPr>
+          <p:nvPr/>
+        </p:nvPicPr>
+        <p:blipFill>
+          <a:blip r:embed="rId3"/>
+          <a:stretch>
+            <a:fillRect/>
+          </a:stretch>
+        </p:blipFill>
+        <p:spPr>
+          <a:xfrm>
+            <a:off x="1925781" y="3782290"/>
+            <a:ext cx="4849092" cy="2589856"/>
+          </a:xfrm>
+          <a:prstGeom prst="rect">
+            <a:avLst/>
+          </a:prstGeom>
+        </p:spPr>
+      </p:pic>
+    </p:spTree>
+    <p:extLst>
+      <p:ext uri="{BB962C8B-B14F-4D97-AF65-F5344CB8AC3E}">
+        <p14:creationId xmlns:p14="http://schemas.microsoft.com/office/powerpoint/2010/main" val="3823491447"/>
+      </p:ext>
+    </p:extLst>
+  </p:cSld>
+  <p:clrMapOvr>
+    <a:masterClrMapping/>
+  </p:clrMapOvr>
+</p:sld>
+</file>
+
+<file path=ppt/slides/slide16.xml><?xml version="1.0" encoding="utf-8"?>
+<p:sld xmlns:a="http://schemas.openxmlformats.org/drawingml/2006/main" xmlns:r="http://schemas.openxmlformats.org/officeDocument/2006/relationships" xmlns:p="http://schemas.openxmlformats.org/presentationml/2006/main">
+  <p:cSld>
+    <p:spTree>
+      <p:nvGrpSpPr>
+        <p:cNvPr id="1" name=""/>
+        <p:cNvGrpSpPr/>
+        <p:nvPr/>
+      </p:nvGrpSpPr>
+      <p:grpSpPr>
+        <a:xfrm>
+          <a:off x="0" y="0"/>
+          <a:ext cx="0" cy="0"/>
+          <a:chOff x="0" y="0"/>
+          <a:chExt cx="0" cy="0"/>
+        </a:xfrm>
+      </p:grpSpPr>
+      <p:sp>
+        <p:nvSpPr>
+          <p:cNvPr id="2" name="Title 1">
+            <a:extLst>
+              <a:ext uri="{FF2B5EF4-FFF2-40B4-BE49-F238E27FC236}">
+                <a16:creationId xmlns:a16="http://schemas.microsoft.com/office/drawing/2014/main" id="{80BB211D-5E74-9C47-A166-9B48B5DB6A69}"/>
+              </a:ext>
+            </a:extLst>
+          </p:cNvPr>
+          <p:cNvSpPr>
+            <a:spLocks noGrp="1"/>
+          </p:cNvSpPr>
+          <p:nvPr>
+            <p:ph type="title"/>
+          </p:nvPr>
+        </p:nvSpPr>
+        <p:spPr/>
+        <p:txBody>
+          <a:bodyPr>
+            <a:noAutofit/>
+          </a:bodyPr>
+          <a:lstStyle/>
+          <a:p>
+            <a:r>
+              <a:rPr lang="en-US" sz="4400" dirty="0"/>
+              <a:t>Layout Designer – Relative Layout</a:t>
+            </a:r>
+          </a:p>
+        </p:txBody>
+      </p:sp>
+      <p:sp>
+        <p:nvSpPr>
+          <p:cNvPr id="3" name="Content Placeholder 2">
+            <a:extLst>
+              <a:ext uri="{FF2B5EF4-FFF2-40B4-BE49-F238E27FC236}">
+                <a16:creationId xmlns:a16="http://schemas.microsoft.com/office/drawing/2014/main" id="{D5BED8D4-AF0C-634E-89E3-1AABB488A33A}"/>
+              </a:ext>
+            </a:extLst>
+          </p:cNvPr>
+          <p:cNvSpPr>
+            <a:spLocks noGrp="1"/>
+          </p:cNvSpPr>
+          <p:nvPr>
+            <p:ph idx="1"/>
+          </p:nvPr>
+        </p:nvSpPr>
+        <p:spPr>
+          <a:xfrm>
+            <a:off x="457200" y="1600200"/>
+            <a:ext cx="8229600" cy="2043545"/>
+          </a:xfrm>
+        </p:spPr>
+        <p:txBody>
+          <a:bodyPr>
+            <a:normAutofit fontScale="70000" lnSpcReduction="20000"/>
+          </a:bodyPr>
+          <a:lstStyle/>
+          <a:p>
+            <a:pPr marL="0" indent="0">
+              <a:buNone/>
+            </a:pPr>
+            <a:r>
+              <a:rPr lang="en-US" b="1" dirty="0"/>
+              <a:t>Adjusting  Position</a:t>
+            </a:r>
+          </a:p>
+          <a:p>
+            <a:r>
+              <a:rPr lang="en-US" dirty="0"/>
+              <a:t>The third time you click a widget, position handles appear</a:t>
+            </a:r>
+          </a:p>
+          <a:p>
+            <a:r>
+              <a:rPr lang="en-US" dirty="0"/>
+              <a:t>Drag a handle to another widget to set it’s relative position</a:t>
+            </a:r>
+          </a:p>
+          <a:p>
+            <a:r>
+              <a:rPr lang="en-US" dirty="0"/>
+              <a:t>Click on the arrow handles to fill the parent in that direction</a:t>
+            </a:r>
+          </a:p>
+          <a:p>
+            <a:endParaRPr lang="en-US" dirty="0"/>
+          </a:p>
+        </p:txBody>
+      </p:sp>
+      <p:pic>
+        <p:nvPicPr>
+          <p:cNvPr id="12" name="Picture 11">
+            <a:extLst>
+              <a:ext uri="{FF2B5EF4-FFF2-40B4-BE49-F238E27FC236}">
+                <a16:creationId xmlns:a16="http://schemas.microsoft.com/office/drawing/2014/main" id="{09ED4F4F-1EFF-CE4C-A2BB-057E68401A8B}"/>
+              </a:ext>
+            </a:extLst>
+          </p:cNvPr>
+          <p:cNvPicPr>
+            <a:picLocks noChangeAspect="1"/>
+          </p:cNvPicPr>
+          <p:nvPr/>
+        </p:nvPicPr>
+        <p:blipFill>
+          <a:blip r:embed="rId3">
+            <a:extLst>
+              <a:ext uri="{28A0092B-C50C-407E-A947-70E740481C1C}">
+                <a14:useLocalDpi xmlns:a14="http://schemas.microsoft.com/office/drawing/2010/main" val="0"/>
+              </a:ext>
+            </a:extLst>
+          </a:blip>
+          <a:stretch>
+            <a:fillRect/>
+          </a:stretch>
+        </p:blipFill>
+        <p:spPr>
+          <a:xfrm>
+            <a:off x="2105891" y="4363278"/>
+            <a:ext cx="4447309" cy="1740252"/>
+          </a:xfrm>
+          <a:prstGeom prst="rect">
+            <a:avLst/>
+          </a:prstGeom>
+        </p:spPr>
+      </p:pic>
+    </p:spTree>
+    <p:extLst>
+      <p:ext uri="{BB962C8B-B14F-4D97-AF65-F5344CB8AC3E}">
+        <p14:creationId xmlns:p14="http://schemas.microsoft.com/office/powerpoint/2010/main" val="2227014442"/>
+      </p:ext>
+    </p:extLst>
+  </p:cSld>
+  <p:clrMapOvr>
+    <a:masterClrMapping/>
+  </p:clrMapOvr>
+</p:sld>
+</file>
+
+<file path=ppt/slides/slide17.xml><?xml version="1.0" encoding="utf-8"?>
+<p:sld xmlns:a="http://schemas.openxmlformats.org/drawingml/2006/main" xmlns:r="http://schemas.openxmlformats.org/officeDocument/2006/relationships" xmlns:p="http://schemas.openxmlformats.org/presentationml/2006/main">
+  <p:cSld>
+    <p:spTree>
+      <p:nvGrpSpPr>
+        <p:cNvPr id="1" name=""/>
+        <p:cNvGrpSpPr/>
+        <p:nvPr/>
+      </p:nvGrpSpPr>
+      <p:grpSpPr>
+        <a:xfrm>
+          <a:off x="0" y="0"/>
+          <a:ext cx="0" cy="0"/>
+          <a:chOff x="0" y="0"/>
+          <a:chExt cx="0" cy="0"/>
+        </a:xfrm>
+      </p:grpSpPr>
+      <p:sp>
+        <p:nvSpPr>
           <p:cNvPr id="2" name="Title 1"/>
           <p:cNvSpPr>
             <a:spLocks noGrp="1"/>
@@ -4755,10 +5571,9 @@
           <a:lstStyle/>
           <a:p>
             <a:r>
-              <a:rPr lang="en-US" smtClean="0"/>
+              <a:rPr lang="en-US"/>
               <a:t>Changing Layouts for Orientation</a:t>
             </a:r>
-            <a:endParaRPr lang="en-US"/>
           </a:p>
         </p:txBody>
       </p:sp>
@@ -4823,7 +5638,7 @@
 </p:sld>
 </file>
 
-<file path=ppt/slides/slide15.xml><?xml version="1.0" encoding="utf-8"?>
+<file path=ppt/slides/slide18.xml><?xml version="1.0" encoding="utf-8"?>
 <p:sld xmlns:a="http://schemas.openxmlformats.org/drawingml/2006/main" xmlns:r="http://schemas.openxmlformats.org/officeDocument/2006/relationships" xmlns:p="http://schemas.openxmlformats.org/presentationml/2006/main">
   <p:cSld>
     <p:spTree>
@@ -4863,17 +5678,16 @@
           <a:lstStyle/>
           <a:p>
             <a:r>
-              <a:rPr lang="en-US" dirty="0" smtClean="0"/>
+              <a:rPr lang="en-US" dirty="0"/>
               <a:t>Folder Names Identify </a:t>
             </a:r>
             <a:br>
-              <a:rPr lang="en-US" dirty="0" smtClean="0"/>
+              <a:rPr lang="en-US" dirty="0"/>
             </a:br>
             <a:r>
-              <a:rPr lang="en-US" dirty="0" smtClean="0"/>
+              <a:rPr lang="en-US" dirty="0"/>
               <a:t>the Layout</a:t>
             </a:r>
-            <a:endParaRPr lang="en-US" dirty="0"/>
           </a:p>
         </p:txBody>
       </p:sp>
@@ -4926,13 +5740,8 @@
             <a:pPr lvl="1"/>
             <a:r>
               <a:rPr lang="en-US" dirty="0"/>
-              <a:t>Folder name: </a:t>
-            </a:r>
-            <a:r>
-              <a:rPr lang="en-US" dirty="0" smtClean="0"/>
-              <a:t>layout-land</a:t>
-            </a:r>
-            <a:endParaRPr lang="en-US" dirty="0"/>
+              <a:t>Folder name: layout-land</a:t>
+            </a:r>
           </a:p>
         </p:txBody>
       </p:sp>
@@ -4978,7 +5787,7 @@
 </p:sld>
 </file>
 
-<file path=ppt/slides/slide16.xml><?xml version="1.0" encoding="utf-8"?>
+<file path=ppt/slides/slide19.xml><?xml version="1.0" encoding="utf-8"?>
 <p:sld xmlns:a="http://schemas.openxmlformats.org/drawingml/2006/main" xmlns:r="http://schemas.openxmlformats.org/officeDocument/2006/relationships" xmlns:p="http://schemas.openxmlformats.org/presentationml/2006/main">
   <p:cSld>
     <p:spTree>
@@ -5016,10 +5825,9 @@
           <a:lstStyle/>
           <a:p>
             <a:r>
-              <a:rPr lang="en-US" dirty="0" smtClean="0"/>
+              <a:rPr lang="en-US" dirty="0"/>
               <a:t>Location of the XML Files</a:t>
             </a:r>
-            <a:endParaRPr lang="en-US" dirty="0"/>
           </a:p>
         </p:txBody>
       </p:sp>
@@ -5046,22 +5854,18 @@
           <a:lstStyle/>
           <a:p>
             <a:r>
-              <a:rPr lang="en-US" b="1" dirty="0" smtClean="0"/>
+              <a:rPr lang="en-US" b="1" dirty="0"/>
               <a:t>Portrait</a:t>
             </a:r>
             <a:br>
-              <a:rPr lang="en-US" b="1" dirty="0" smtClean="0"/>
+              <a:rPr lang="en-US" b="1" dirty="0"/>
             </a:br>
             <a:r>
               <a:rPr lang="en-US" dirty="0"/>
-              <a:t>R</a:t>
-            </a:r>
-            <a:r>
-              <a:rPr lang="en-US" dirty="0" smtClean="0"/>
-              <a:t>esources/</a:t>
-            </a:r>
-            <a:r>
-              <a:rPr lang="en-US" dirty="0" smtClean="0">
+              <a:t>Resources/</a:t>
+            </a:r>
+            <a:r>
+              <a:rPr lang="en-US" dirty="0">
                 <a:solidFill>
                   <a:srgbClr val="0070C0"/>
                 </a:solidFill>
@@ -5069,33 +5873,29 @@
               <a:t>layout</a:t>
             </a:r>
             <a:r>
-              <a:rPr lang="en-US" dirty="0" smtClean="0"/>
+              <a:rPr lang="en-US" dirty="0"/>
               <a:t>/</a:t>
             </a:r>
             <a:r>
-              <a:rPr lang="en-US" dirty="0" err="1" smtClean="0"/>
+              <a:rPr lang="en-US" dirty="0" err="1"/>
               <a:t>activity_main.xml</a:t>
             </a:r>
             <a:endParaRPr lang="en-US" dirty="0"/>
           </a:p>
           <a:p>
             <a:r>
-              <a:rPr lang="en-US" b="1" dirty="0" smtClean="0"/>
+              <a:rPr lang="en-US" b="1" dirty="0"/>
               <a:t>Landscape</a:t>
             </a:r>
             <a:br>
-              <a:rPr lang="en-US" b="1" dirty="0" smtClean="0"/>
+              <a:rPr lang="en-US" b="1" dirty="0"/>
             </a:br>
             <a:r>
               <a:rPr lang="en-US" dirty="0"/>
-              <a:t>R</a:t>
-            </a:r>
-            <a:r>
-              <a:rPr lang="en-US" dirty="0" smtClean="0"/>
-              <a:t>esources/</a:t>
-            </a:r>
-            <a:r>
-              <a:rPr lang="en-US" dirty="0" smtClean="0">
+              <a:t>Resources/</a:t>
+            </a:r>
+            <a:r>
+              <a:rPr lang="en-US" dirty="0">
                 <a:solidFill>
                   <a:srgbClr val="0070C0"/>
                 </a:solidFill>
@@ -5103,11 +5903,11 @@
               <a:t>layout-land</a:t>
             </a:r>
             <a:r>
-              <a:rPr lang="en-US" dirty="0" smtClean="0"/>
+              <a:rPr lang="en-US" dirty="0"/>
               <a:t>/</a:t>
             </a:r>
             <a:r>
-              <a:rPr lang="en-US" dirty="0" err="1" smtClean="0"/>
+              <a:rPr lang="en-US" dirty="0" err="1"/>
               <a:t>activity_main.xml</a:t>
             </a:r>
             <a:endParaRPr lang="en-US" dirty="0"/>
@@ -5165,10 +5965,9 @@
           <a:lstStyle/>
           <a:p>
             <a:r>
-              <a:rPr lang="en-US" dirty="0" smtClean="0"/>
+              <a:rPr lang="en-US" dirty="0"/>
               <a:t>Course Schedule</a:t>
             </a:r>
-            <a:endParaRPr lang="en-US" dirty="0"/>
           </a:p>
         </p:txBody>
       </p:sp>
@@ -5198,8 +5997,20 @@
                 <a:tableStyleId>{775DCB02-9BB8-47FD-8907-85C794F793BA}</a:tableStyleId>
               </a:tblPr>
               <a:tblGrid>
-                <a:gridCol w="511701"/>
-                <a:gridCol w="3480100"/>
+                <a:gridCol w="511701">
+                  <a:extLst>
+                    <a:ext uri="{9D8B030D-6E8A-4147-A177-3AD203B41FA5}">
+                      <a16:colId xmlns:a16="http://schemas.microsoft.com/office/drawing/2014/main" val="20000"/>
+                    </a:ext>
+                  </a:extLst>
+                </a:gridCol>
+                <a:gridCol w="3480100">
+                  <a:extLst>
+                    <a:ext uri="{9D8B030D-6E8A-4147-A177-3AD203B41FA5}">
+                      <a16:colId xmlns:a16="http://schemas.microsoft.com/office/drawing/2014/main" val="20001"/>
+                    </a:ext>
+                  </a:extLst>
+                </a:gridCol>
               </a:tblGrid>
               <a:tr h="351148">
                 <a:tc>
@@ -5208,10 +6019,9 @@
                     <a:lstStyle/>
                     <a:p>
                       <a:r>
-                        <a:rPr lang="en-US" dirty="0" smtClean="0"/>
+                        <a:rPr lang="en-US" dirty="0"/>
                         <a:t>Wk</a:t>
                       </a:r>
-                      <a:endParaRPr lang="en-US" dirty="0"/>
                     </a:p>
                   </a:txBody>
                   <a:tcPr/>
@@ -5222,14 +6032,18 @@
                     <a:lstStyle/>
                     <a:p>
                       <a:r>
-                        <a:rPr lang="en-US" dirty="0" smtClean="0"/>
+                        <a:rPr lang="en-US" dirty="0"/>
                         <a:t>Topic</a:t>
                       </a:r>
-                      <a:endParaRPr lang="en-US" dirty="0"/>
                     </a:p>
                   </a:txBody>
                   <a:tcPr/>
                 </a:tc>
+                <a:extLst>
+                  <a:ext uri="{0D108BD9-81ED-4DB2-BD59-A6C34878D82A}">
+                    <a16:rowId xmlns:a16="http://schemas.microsoft.com/office/drawing/2014/main" val="10000"/>
+                  </a:ext>
+                </a:extLst>
               </a:tr>
               <a:tr h="942660">
                 <a:tc>
@@ -5238,10 +6052,9 @@
                     <a:lstStyle/>
                     <a:p>
                       <a:r>
-                        <a:rPr lang="en-US" sz="2800" dirty="0" smtClean="0"/>
+                        <a:rPr lang="en-US" sz="2800" dirty="0"/>
                         <a:t>1</a:t>
                       </a:r>
-                      <a:endParaRPr lang="en-US" sz="2800" dirty="0"/>
                     </a:p>
                   </a:txBody>
                   <a:tcPr/>
@@ -5269,21 +6082,26 @@
                         <a:defRPr/>
                       </a:pPr>
                       <a:r>
-                        <a:rPr lang="en-US" sz="2800" dirty="0" smtClean="0"/>
+                        <a:rPr lang="en-US" sz="2800" dirty="0"/>
                         <a:t>Intro</a:t>
                       </a:r>
                       <a:r>
-                        <a:rPr lang="en-US" sz="2800" baseline="0" dirty="0" smtClean="0"/>
+                        <a:rPr lang="en-US" sz="2800" baseline="0" dirty="0"/>
                         <a:t> +</a:t>
                       </a:r>
                       <a:r>
-                        <a:rPr lang="en-US" sz="2800" dirty="0" smtClean="0"/>
+                        <a:rPr lang="en-US" sz="2800" dirty="0"/>
                         <a:t> single-screen apps</a:t>
                       </a:r>
                     </a:p>
                   </a:txBody>
                   <a:tcPr/>
                 </a:tc>
+                <a:extLst>
+                  <a:ext uri="{0D108BD9-81ED-4DB2-BD59-A6C34878D82A}">
+                    <a16:rowId xmlns:a16="http://schemas.microsoft.com/office/drawing/2014/main" val="10001"/>
+                  </a:ext>
+                </a:extLst>
               </a:tr>
               <a:tr h="942660">
                 <a:tc>
@@ -5292,10 +6110,9 @@
                     <a:lstStyle/>
                     <a:p>
                       <a:r>
-                        <a:rPr lang="en-US" sz="2800" dirty="0" smtClean="0"/>
+                        <a:rPr lang="en-US" sz="2800" dirty="0"/>
                         <a:t>2</a:t>
                       </a:r>
-                      <a:endParaRPr lang="en-US" sz="2800" dirty="0"/>
                     </a:p>
                   </a:txBody>
                   <a:tcPr>
@@ -5325,7 +6142,7 @@
                         <a:defRPr/>
                       </a:pPr>
                       <a:r>
-                        <a:rPr lang="en-US" sz="2800" dirty="0" smtClean="0"/>
+                        <a:rPr lang="en-US" sz="2800" dirty="0"/>
                         <a:t>Multi-screen (multi-activity) apps</a:t>
                       </a:r>
                     </a:p>
@@ -5334,6 +6151,11 @@
                     <a:noFill/>
                   </a:tcPr>
                 </a:tc>
+                <a:extLst>
+                  <a:ext uri="{0D108BD9-81ED-4DB2-BD59-A6C34878D82A}">
+                    <a16:rowId xmlns:a16="http://schemas.microsoft.com/office/drawing/2014/main" val="10002"/>
+                  </a:ext>
+                </a:extLst>
               </a:tr>
               <a:tr h="942660">
                 <a:tc>
@@ -5342,10 +6164,9 @@
                     <a:lstStyle/>
                     <a:p>
                       <a:r>
-                        <a:rPr lang="en-US" sz="2800" dirty="0" smtClean="0"/>
+                        <a:rPr lang="en-US" sz="2800" dirty="0"/>
                         <a:t>3</a:t>
                       </a:r>
-                      <a:endParaRPr lang="en-US" sz="2800" dirty="0"/>
                     </a:p>
                   </a:txBody>
                   <a:tcPr>
@@ -5379,18 +6200,14 @@
                         <a:defRPr/>
                       </a:pPr>
                       <a:r>
-                        <a:rPr lang="en-US" sz="2800" dirty="0" smtClean="0"/>
+                        <a:rPr lang="en-US" sz="2800" dirty="0"/>
                         <a:t>Activity lifecycle</a:t>
                       </a:r>
                       <a:r>
-                        <a:rPr lang="en-US" sz="2800" baseline="0" dirty="0" smtClean="0"/>
-                        <a:t> </a:t>
+                        <a:rPr lang="en-US" sz="2800" baseline="0" dirty="0"/>
+                        <a:t> + state</a:t>
                       </a:r>
-                      <a:r>
-                        <a:rPr lang="en-US" sz="2800" baseline="0" dirty="0" smtClean="0"/>
-                        <a:t>+ state</a:t>
-                      </a:r>
-                      <a:endParaRPr lang="en-US" sz="2800" dirty="0" smtClean="0"/>
+                      <a:endParaRPr lang="en-US" sz="2800" dirty="0"/>
                     </a:p>
                   </a:txBody>
                   <a:tcPr>
@@ -5401,6 +6218,11 @@
                     </a:solidFill>
                   </a:tcPr>
                 </a:tc>
+                <a:extLst>
+                  <a:ext uri="{0D108BD9-81ED-4DB2-BD59-A6C34878D82A}">
+                    <a16:rowId xmlns:a16="http://schemas.microsoft.com/office/drawing/2014/main" val="10003"/>
+                  </a:ext>
+                </a:extLst>
               </a:tr>
               <a:tr h="516942">
                 <a:tc>
@@ -5409,10 +6231,9 @@
                     <a:lstStyle/>
                     <a:p>
                       <a:r>
-                        <a:rPr lang="en-US" sz="2800" dirty="0" smtClean="0"/>
+                        <a:rPr lang="en-US" sz="2800" dirty="0"/>
                         <a:t>4</a:t>
                       </a:r>
-                      <a:endParaRPr lang="en-US" sz="2800" dirty="0"/>
                     </a:p>
                   </a:txBody>
                   <a:tcPr>
@@ -5447,14 +6268,14 @@
                         <a:defRPr/>
                       </a:pPr>
                       <a:r>
-                        <a:rPr lang="en-US" sz="2800" dirty="0" smtClean="0"/>
+                        <a:rPr lang="en-US" sz="2800" dirty="0"/>
                         <a:t>Adapting to size and orientation:</a:t>
                       </a:r>
                       <a:r>
-                        <a:rPr lang="en-US" sz="2800" baseline="0" dirty="0" smtClean="0"/>
+                        <a:rPr lang="en-US" sz="2800" baseline="0" dirty="0"/>
                         <a:t> Layouts</a:t>
                       </a:r>
-                      <a:endParaRPr lang="en-US" sz="2800" dirty="0" smtClean="0"/>
+                      <a:endParaRPr lang="en-US" sz="2800" dirty="0"/>
                     </a:p>
                   </a:txBody>
                   <a:tcPr>
@@ -5466,6 +6287,11 @@
                     </a:solidFill>
                   </a:tcPr>
                 </a:tc>
+                <a:extLst>
+                  <a:ext uri="{0D108BD9-81ED-4DB2-BD59-A6C34878D82A}">
+                    <a16:rowId xmlns:a16="http://schemas.microsoft.com/office/drawing/2014/main" val="10004"/>
+                  </a:ext>
+                </a:extLst>
               </a:tr>
               <a:tr h="516942">
                 <a:tc>
@@ -5474,10 +6300,9 @@
                     <a:lstStyle/>
                     <a:p>
                       <a:r>
-                        <a:rPr lang="en-US" sz="2800" dirty="0" smtClean="0"/>
+                        <a:rPr lang="en-US" sz="2800" dirty="0"/>
                         <a:t>5</a:t>
                       </a:r>
-                      <a:endParaRPr lang="en-US" sz="2800" dirty="0"/>
                     </a:p>
                   </a:txBody>
                   <a:tcPr>
@@ -5513,7 +6338,7 @@
                         <a:defRPr/>
                       </a:pPr>
                       <a:r>
-                        <a:rPr lang="en-US" sz="2800" dirty="0" smtClean="0"/>
+                        <a:rPr lang="en-US" sz="2800" dirty="0"/>
                         <a:t>Fragments</a:t>
                       </a:r>
                     </a:p>
@@ -5528,6 +6353,11 @@
                     </a:solidFill>
                   </a:tcPr>
                 </a:tc>
+                <a:extLst>
+                  <a:ext uri="{0D108BD9-81ED-4DB2-BD59-A6C34878D82A}">
+                    <a16:rowId xmlns:a16="http://schemas.microsoft.com/office/drawing/2014/main" val="10005"/>
+                  </a:ext>
+                </a:extLst>
               </a:tr>
             </a:tbl>
           </a:graphicData>
@@ -5559,8 +6389,20 @@
                 <a:tableStyleId>{775DCB02-9BB8-47FD-8907-85C794F793BA}</a:tableStyleId>
               </a:tblPr>
               <a:tblGrid>
-                <a:gridCol w="546664"/>
-                <a:gridCol w="3750953"/>
+                <a:gridCol w="546664">
+                  <a:extLst>
+                    <a:ext uri="{9D8B030D-6E8A-4147-A177-3AD203B41FA5}">
+                      <a16:colId xmlns:a16="http://schemas.microsoft.com/office/drawing/2014/main" val="20000"/>
+                    </a:ext>
+                  </a:extLst>
+                </a:gridCol>
+                <a:gridCol w="3750953">
+                  <a:extLst>
+                    <a:ext uri="{9D8B030D-6E8A-4147-A177-3AD203B41FA5}">
+                      <a16:colId xmlns:a16="http://schemas.microsoft.com/office/drawing/2014/main" val="20001"/>
+                    </a:ext>
+                  </a:extLst>
+                </a:gridCol>
               </a:tblGrid>
               <a:tr h="346900">
                 <a:tc>
@@ -5569,10 +6411,9 @@
                     <a:lstStyle/>
                     <a:p>
                       <a:r>
-                        <a:rPr lang="en-US" dirty="0" smtClean="0"/>
+                        <a:rPr lang="en-US" dirty="0"/>
                         <a:t>Wk</a:t>
                       </a:r>
-                      <a:endParaRPr lang="en-US" dirty="0"/>
                     </a:p>
                   </a:txBody>
                   <a:tcPr/>
@@ -5583,14 +6424,18 @@
                     <a:lstStyle/>
                     <a:p>
                       <a:r>
-                        <a:rPr lang="en-US" dirty="0" smtClean="0"/>
+                        <a:rPr lang="en-US" dirty="0"/>
                         <a:t>Topic</a:t>
                       </a:r>
-                      <a:endParaRPr lang="en-US" dirty="0"/>
                     </a:p>
                   </a:txBody>
                   <a:tcPr/>
                 </a:tc>
+                <a:extLst>
+                  <a:ext uri="{0D108BD9-81ED-4DB2-BD59-A6C34878D82A}">
+                    <a16:rowId xmlns:a16="http://schemas.microsoft.com/office/drawing/2014/main" val="10000"/>
+                  </a:ext>
+                </a:extLst>
               </a:tr>
               <a:tr h="675372">
                 <a:tc>
@@ -5599,10 +6444,9 @@
                     <a:lstStyle/>
                     <a:p>
                       <a:r>
-                        <a:rPr lang="en-US" sz="2800" dirty="0" smtClean="0"/>
+                        <a:rPr lang="en-US" sz="2800" dirty="0"/>
                         <a:t>6</a:t>
                       </a:r>
-                      <a:endParaRPr lang="en-US" sz="2800" dirty="0"/>
                     </a:p>
                   </a:txBody>
                   <a:tcPr/>
@@ -5630,18 +6474,23 @@
                         <a:defRPr/>
                       </a:pPr>
                       <a:r>
-                        <a:rPr lang="en-US" sz="2800" dirty="0" smtClean="0"/>
+                        <a:rPr lang="en-US" sz="2800" dirty="0"/>
                         <a:t>List</a:t>
                       </a:r>
                       <a:r>
-                        <a:rPr lang="en-US" sz="2800" baseline="0" dirty="0" smtClean="0"/>
+                        <a:rPr lang="en-US" sz="2800" baseline="0" dirty="0"/>
                         <a:t> View</a:t>
                       </a:r>
-                      <a:endParaRPr lang="en-US" sz="2800" dirty="0" smtClean="0"/>
+                      <a:endParaRPr lang="en-US" sz="2800" dirty="0"/>
                     </a:p>
                   </a:txBody>
                   <a:tcPr/>
                 </a:tc>
+                <a:extLst>
+                  <a:ext uri="{0D108BD9-81ED-4DB2-BD59-A6C34878D82A}">
+                    <a16:rowId xmlns:a16="http://schemas.microsoft.com/office/drawing/2014/main" val="10001"/>
+                  </a:ext>
+                </a:extLst>
               </a:tr>
               <a:tr h="817706">
                 <a:tc>
@@ -5650,10 +6499,9 @@
                     <a:lstStyle/>
                     <a:p>
                       <a:r>
-                        <a:rPr lang="en-US" sz="2800" dirty="0" smtClean="0"/>
+                        <a:rPr lang="en-US" sz="2800" dirty="0"/>
                         <a:t>7</a:t>
                       </a:r>
-                      <a:endParaRPr lang="en-US" sz="2800" dirty="0"/>
                     </a:p>
                   </a:txBody>
                   <a:tcPr/>
@@ -5681,13 +6529,18 @@
                         <a:defRPr/>
                       </a:pPr>
                       <a:r>
-                        <a:rPr lang="en-US" sz="2800" dirty="0" smtClean="0"/>
+                        <a:rPr lang="en-US" sz="2800" dirty="0"/>
                         <a:t>Managing data: SQLite</a:t>
                       </a:r>
                     </a:p>
                   </a:txBody>
                   <a:tcPr/>
                 </a:tc>
+                <a:extLst>
+                  <a:ext uri="{0D108BD9-81ED-4DB2-BD59-A6C34878D82A}">
+                    <a16:rowId xmlns:a16="http://schemas.microsoft.com/office/drawing/2014/main" val="10002"/>
+                  </a:ext>
+                </a:extLst>
               </a:tr>
               <a:tr h="737182">
                 <a:tc>
@@ -5696,10 +6549,9 @@
                     <a:lstStyle/>
                     <a:p>
                       <a:r>
-                        <a:rPr lang="en-US" sz="2800" dirty="0" smtClean="0"/>
+                        <a:rPr lang="en-US" sz="2800" dirty="0"/>
                         <a:t>8</a:t>
                       </a:r>
-                      <a:endParaRPr lang="en-US" sz="2800" dirty="0"/>
                     </a:p>
                   </a:txBody>
                   <a:tcPr/>
@@ -5727,13 +6579,18 @@
                         <a:defRPr/>
                       </a:pPr>
                       <a:r>
-                        <a:rPr lang="en-US" sz="2800" dirty="0" smtClean="0"/>
+                        <a:rPr lang="en-US" sz="2800" dirty="0"/>
                         <a:t>Geolocation</a:t>
                       </a:r>
                     </a:p>
                   </a:txBody>
                   <a:tcPr/>
                 </a:tc>
+                <a:extLst>
+                  <a:ext uri="{0D108BD9-81ED-4DB2-BD59-A6C34878D82A}">
+                    <a16:rowId xmlns:a16="http://schemas.microsoft.com/office/drawing/2014/main" val="10003"/>
+                  </a:ext>
+                </a:extLst>
               </a:tr>
               <a:tr h="1175010">
                 <a:tc>
@@ -5742,10 +6599,9 @@
                     <a:lstStyle/>
                     <a:p>
                       <a:r>
-                        <a:rPr lang="en-US" sz="2800" dirty="0" smtClean="0"/>
+                        <a:rPr lang="en-US" sz="2800" dirty="0"/>
                         <a:t>9</a:t>
                       </a:r>
-                      <a:endParaRPr lang="en-US" sz="2800" dirty="0"/>
                     </a:p>
                   </a:txBody>
                   <a:tcPr/>
@@ -5773,21 +6629,26 @@
                         <a:defRPr/>
                       </a:pPr>
                       <a:r>
-                        <a:rPr lang="en-US" sz="2800" dirty="0" smtClean="0"/>
+                        <a:rPr lang="en-US" sz="2800" dirty="0"/>
                         <a:t>Publishing</a:t>
                       </a:r>
                       <a:r>
-                        <a:rPr lang="en-US" sz="2800" baseline="0" dirty="0" smtClean="0"/>
+                        <a:rPr lang="en-US" sz="2800" baseline="0" dirty="0"/>
                         <a:t> to </a:t>
                       </a:r>
                       <a:r>
-                        <a:rPr lang="en-US" sz="2800" dirty="0" smtClean="0"/>
+                        <a:rPr lang="en-US" sz="2800" dirty="0"/>
                         <a:t>an App Store</a:t>
                       </a:r>
                     </a:p>
                   </a:txBody>
                   <a:tcPr/>
                 </a:tc>
+                <a:extLst>
+                  <a:ext uri="{0D108BD9-81ED-4DB2-BD59-A6C34878D82A}">
+                    <a16:rowId xmlns:a16="http://schemas.microsoft.com/office/drawing/2014/main" val="10004"/>
+                  </a:ext>
+                </a:extLst>
               </a:tr>
               <a:tr h="911269">
                 <a:tc>
@@ -5796,10 +6657,9 @@
                     <a:lstStyle/>
                     <a:p>
                       <a:r>
-                        <a:rPr lang="en-US" sz="2800" dirty="0" smtClean="0"/>
+                        <a:rPr lang="en-US" sz="2800" dirty="0"/>
                         <a:t>10</a:t>
                       </a:r>
-                      <a:endParaRPr lang="en-US" sz="2800" dirty="0"/>
                     </a:p>
                   </a:txBody>
                   <a:tcPr/>
@@ -5827,13 +6687,18 @@
                         <a:defRPr/>
                       </a:pPr>
                       <a:r>
-                        <a:rPr lang="en-US" sz="2800" dirty="0" smtClean="0"/>
+                        <a:rPr lang="en-US" sz="2800" dirty="0"/>
                         <a:t>Term Project</a:t>
                       </a:r>
                     </a:p>
                   </a:txBody>
                   <a:tcPr/>
                 </a:tc>
+                <a:extLst>
+                  <a:ext uri="{0D108BD9-81ED-4DB2-BD59-A6C34878D82A}">
+                    <a16:rowId xmlns:a16="http://schemas.microsoft.com/office/drawing/2014/main" val="10005"/>
+                  </a:ext>
+                </a:extLst>
               </a:tr>
             </a:tbl>
           </a:graphicData>
@@ -5849,13 +6714,6 @@
   <p:clrMapOvr>
     <a:masterClrMapping/>
   </p:clrMapOvr>
-  <p:timing>
-    <p:tnLst>
-      <p:par>
-        <p:cTn id="1" dur="indefinite" restart="never" nodeType="tmRoot"/>
-      </p:par>
-    </p:tnLst>
-  </p:timing>
 </p:sld>
 </file>
 
@@ -5892,10 +6750,9 @@
           <a:lstStyle/>
           <a:p>
             <a:r>
-              <a:rPr lang="en-US" dirty="0" smtClean="0"/>
+              <a:rPr lang="en-US" dirty="0"/>
               <a:t>Android UI Layouts</a:t>
             </a:r>
-            <a:endParaRPr lang="en-US" dirty="0"/>
           </a:p>
         </p:txBody>
       </p:sp>
@@ -5912,33 +6769,32 @@
         <p:spPr/>
         <p:txBody>
           <a:bodyPr>
-            <a:normAutofit fontScale="85000" lnSpcReduction="10000"/>
+            <a:normAutofit fontScale="92500" lnSpcReduction="20000"/>
           </a:bodyPr>
           <a:lstStyle/>
           <a:p>
             <a:r>
-              <a:rPr lang="en-US" dirty="0" smtClean="0"/>
+              <a:rPr lang="en-US" dirty="0"/>
               <a:t>A Layout is a container that provides a way to arrange the location of UI controls (widgets)</a:t>
             </a:r>
           </a:p>
           <a:p>
             <a:r>
-              <a:rPr lang="en-US" dirty="0" smtClean="0"/>
+              <a:rPr lang="en-US" dirty="0"/>
               <a:t>All layout classes inherit from the ViewGroup class</a:t>
             </a:r>
           </a:p>
           <a:p>
             <a:r>
-              <a:rPr lang="en-US" dirty="0" smtClean="0"/>
+              <a:rPr lang="en-US" dirty="0"/>
               <a:t>Layouts can be nested</a:t>
             </a:r>
           </a:p>
           <a:p>
             <a:r>
-              <a:rPr lang="en-US" dirty="0" smtClean="0"/>
+              <a:rPr lang="en-US" dirty="0"/>
               <a:t>Layouts can be specified in AXML or programmatically</a:t>
             </a:r>
-            <a:endParaRPr lang="en-US" dirty="0"/>
           </a:p>
         </p:txBody>
       </p:sp>
@@ -5988,10 +6844,9 @@
           <a:lstStyle/>
           <a:p>
             <a:r>
-              <a:rPr lang="en-US" dirty="0" smtClean="0"/>
+              <a:rPr lang="en-US" dirty="0"/>
               <a:t>Types of Layouts</a:t>
             </a:r>
-            <a:endParaRPr lang="en-US" dirty="0"/>
           </a:p>
         </p:txBody>
       </p:sp>
@@ -6016,13 +6871,13 @@
           <a:lstStyle/>
           <a:p>
             <a:r>
-              <a:rPr lang="en-US" dirty="0" smtClean="0"/>
+              <a:rPr lang="en-US" dirty="0"/>
               <a:t>Linear Layout</a:t>
             </a:r>
             <a:br>
-              <a:rPr lang="en-US" dirty="0" smtClean="0"/>
+              <a:rPr lang="en-US" dirty="0"/>
             </a:br>
-            <a:endParaRPr lang="en-US" dirty="0" smtClean="0"/>
+            <a:endParaRPr lang="en-US" dirty="0"/>
           </a:p>
           <a:p>
             <a:endParaRPr lang="en-US" dirty="0"/>
@@ -6032,25 +6887,25 @@
               <a:buNone/>
             </a:pPr>
             <a:r>
-              <a:rPr lang="en-US" dirty="0" smtClean="0"/>
+              <a:rPr lang="en-US" dirty="0"/>
               <a:t> </a:t>
             </a:r>
           </a:p>
           <a:p>
             <a:r>
-              <a:rPr lang="en-US" dirty="0" smtClean="0"/>
+              <a:rPr lang="en-US" dirty="0"/>
               <a:t>Relative Layout</a:t>
             </a:r>
             <a:br>
-              <a:rPr lang="en-US" dirty="0" smtClean="0"/>
+              <a:rPr lang="en-US" dirty="0"/>
             </a:br>
-            <a:endParaRPr lang="en-US" dirty="0" smtClean="0"/>
+            <a:endParaRPr lang="en-US" dirty="0"/>
           </a:p>
           <a:p>
             <a:pPr marL="0" indent="0">
               <a:buNone/>
             </a:pPr>
-            <a:endParaRPr lang="en-US" dirty="0" smtClean="0"/>
+            <a:endParaRPr lang="en-US" dirty="0"/>
           </a:p>
         </p:txBody>
       </p:sp>
@@ -6077,15 +6932,9 @@
           <a:lstStyle/>
           <a:p>
             <a:r>
-              <a:rPr lang="en-US" dirty="0" smtClean="0"/>
+              <a:rPr lang="en-US" dirty="0"/>
               <a:t>Table</a:t>
             </a:r>
-          </a:p>
-          <a:p>
-            <a:pPr marL="0" indent="0">
-              <a:buNone/>
-            </a:pPr>
-            <a:endParaRPr lang="en-US" dirty="0" smtClean="0"/>
           </a:p>
           <a:p>
             <a:pPr marL="0" indent="0">
@@ -6094,24 +6943,29 @@
             <a:endParaRPr lang="en-US" dirty="0"/>
           </a:p>
           <a:p>
-            <a:r>
-              <a:rPr lang="en-US" dirty="0" smtClean="0"/>
+            <a:pPr marL="0" indent="0">
+              <a:buNone/>
+            </a:pPr>
+            <a:endParaRPr lang="en-US" dirty="0"/>
+          </a:p>
+          <a:p>
+            <a:r>
+              <a:rPr lang="en-US" dirty="0"/>
               <a:t>Grid</a:t>
             </a:r>
             <a:br>
-              <a:rPr lang="en-US" dirty="0" smtClean="0"/>
+              <a:rPr lang="en-US" dirty="0"/>
             </a:br>
-            <a:endParaRPr lang="en-US" dirty="0" smtClean="0"/>
-          </a:p>
-          <a:p>
-            <a:endParaRPr lang="en-US" dirty="0" smtClean="0"/>
-          </a:p>
-          <a:p>
-            <a:r>
-              <a:rPr lang="en-US" dirty="0" smtClean="0"/>
+            <a:endParaRPr lang="en-US" dirty="0"/>
+          </a:p>
+          <a:p>
+            <a:endParaRPr lang="en-US" dirty="0"/>
+          </a:p>
+          <a:p>
+            <a:r>
+              <a:rPr lang="en-US" dirty="0"/>
               <a:t>Frame</a:t>
             </a:r>
-            <a:endParaRPr lang="en-US" dirty="0"/>
           </a:p>
         </p:txBody>
       </p:sp>
@@ -6304,10 +7158,9 @@
           <a:lstStyle/>
           <a:p>
             <a:r>
-              <a:rPr lang="en-US" dirty="0" smtClean="0"/>
+              <a:rPr lang="en-US" dirty="0"/>
               <a:t>Linear Layout</a:t>
             </a:r>
-            <a:endParaRPr lang="en-US" dirty="0"/>
           </a:p>
         </p:txBody>
       </p:sp>
@@ -6327,46 +7180,46 @@
           <a:lstStyle/>
           <a:p>
             <a:r>
-              <a:rPr lang="en-US" dirty="0" smtClean="0"/>
+              <a:rPr lang="en-US" dirty="0"/>
               <a:t>Two possible linear layout orientations:</a:t>
             </a:r>
           </a:p>
           <a:p>
             <a:pPr lvl="1"/>
             <a:r>
-              <a:rPr lang="en-US" dirty="0" smtClean="0"/>
+              <a:rPr lang="en-US" dirty="0"/>
               <a:t>Horizontal: </a:t>
             </a:r>
             <a:br>
-              <a:rPr lang="en-US" dirty="0" smtClean="0"/>
+              <a:rPr lang="en-US" dirty="0"/>
             </a:br>
             <a:r>
-              <a:rPr lang="en-US" dirty="0" smtClean="0"/>
+              <a:rPr lang="en-US" dirty="0"/>
               <a:t>Widgets are stacked side-by-side</a:t>
             </a:r>
           </a:p>
           <a:p>
             <a:pPr lvl="1"/>
             <a:r>
-              <a:rPr lang="en-US" dirty="0" smtClean="0"/>
+              <a:rPr lang="en-US" dirty="0"/>
               <a:t>Vertical: </a:t>
             </a:r>
             <a:br>
-              <a:rPr lang="en-US" dirty="0" smtClean="0"/>
+              <a:rPr lang="en-US" dirty="0"/>
             </a:br>
             <a:r>
-              <a:rPr lang="en-US" dirty="0" smtClean="0"/>
+              <a:rPr lang="en-US" dirty="0"/>
               <a:t>Widgets are stacked one above</a:t>
             </a:r>
             <a:br>
-              <a:rPr lang="en-US" dirty="0" smtClean="0"/>
+              <a:rPr lang="en-US" dirty="0"/>
             </a:br>
             <a:r>
-              <a:rPr lang="en-US" dirty="0" smtClean="0"/>
+              <a:rPr lang="en-US" dirty="0"/>
               <a:t>or </a:t>
             </a:r>
             <a:r>
-              <a:rPr lang="en-US" smtClean="0"/>
+              <a:rPr lang="en-US"/>
               <a:t>below another</a:t>
             </a:r>
             <a:endParaRPr lang="en-US" dirty="0"/>
@@ -6467,10 +7320,9 @@
           <a:lstStyle/>
           <a:p>
             <a:r>
-              <a:rPr lang="en-US" dirty="0" smtClean="0"/>
+              <a:rPr lang="en-US" dirty="0"/>
               <a:t>Linear Layout Orientation</a:t>
             </a:r>
-            <a:endParaRPr lang="en-US" dirty="0"/>
           </a:p>
         </p:txBody>
       </p:sp>
@@ -6492,10 +7344,9 @@
           <a:lstStyle/>
           <a:p>
             <a:r>
-              <a:rPr lang="en-US" dirty="0" smtClean="0"/>
+              <a:rPr lang="en-US" dirty="0"/>
               <a:t>Horizontal and Vertical Orientations</a:t>
             </a:r>
-            <a:endParaRPr lang="en-US" dirty="0"/>
           </a:p>
         </p:txBody>
       </p:sp>
@@ -6556,15 +7407,7 @@
             </a:br>
             <a:r>
               <a:rPr lang="en-US" dirty="0"/>
-              <a:t>          </a:t>
-            </a:r>
-            <a:r>
-              <a:rPr lang="en-US" dirty="0" smtClean="0"/>
-              <a:t>android:tag=”Details omitted"</a:t>
-            </a:r>
-            <a:r>
-              <a:rPr lang="en-US" dirty="0"/>
-              <a:t> /&gt;</a:t>
+              <a:t>          android:tag=”Details omitted" /&gt;</a:t>
             </a:r>
             <a:br>
               <a:rPr lang="en-US" dirty="0"/>
@@ -6578,14 +7421,10 @@
             </a:br>
             <a:r>
               <a:rPr lang="en-US" dirty="0"/>
-              <a:t>           </a:t>
-            </a:r>
-            <a:r>
-              <a:rPr lang="en-US" dirty="0" smtClean="0"/>
-              <a:t>android:tag=”Details omitted" /&gt;</a:t>
+              <a:t>           android:tag=”Details omitted" /&gt;</a:t>
             </a:r>
             <a:br>
-              <a:rPr lang="en-US" dirty="0" smtClean="0"/>
+              <a:rPr lang="en-US" dirty="0"/>
             </a:br>
             <a:r>
               <a:rPr lang="en-US" dirty="0"/>
@@ -6610,10 +7449,9 @@
           <a:lstStyle/>
           <a:p>
             <a:r>
-              <a:rPr lang="en-US" dirty="0" smtClean="0"/>
+              <a:rPr lang="en-US" dirty="0"/>
               <a:t>Nested Linear Layouts</a:t>
             </a:r>
-            <a:endParaRPr lang="en-US" dirty="0"/>
           </a:p>
         </p:txBody>
       </p:sp>
@@ -6684,10 +7522,9 @@
           <a:lstStyle/>
           <a:p>
             <a:r>
-              <a:rPr lang="en-US" dirty="0" smtClean="0"/>
+              <a:rPr lang="en-US" dirty="0"/>
               <a:t>Common LinearLayout Attributes</a:t>
             </a:r>
-            <a:endParaRPr lang="en-US" dirty="0"/>
           </a:p>
         </p:txBody>
       </p:sp>
@@ -6707,18 +7544,13 @@
           <a:lstStyle/>
           <a:p>
             <a:r>
-              <a:rPr lang="en-US" dirty="0" smtClean="0">
+              <a:rPr lang="en-US" dirty="0">
                 <a:latin typeface="Courier" charset="0"/>
                 <a:ea typeface="Courier" charset="0"/>
                 <a:cs typeface="Courier" charset="0"/>
               </a:rPr>
               <a:t>orientation</a:t>
             </a:r>
-            <a:endParaRPr lang="en-US" dirty="0">
-              <a:latin typeface="Courier" charset="0"/>
-              <a:ea typeface="Courier" charset="0"/>
-              <a:cs typeface="Courier" charset="0"/>
-            </a:endParaRPr>
           </a:p>
           <a:p>
             <a:r>
@@ -6769,14 +7601,13 @@
               <a:defRPr/>
             </a:pPr>
             <a:r>
-              <a:rPr lang="en-US" dirty="0" err="1" smtClean="0"/>
+              <a:rPr lang="en-US" dirty="0" err="1"/>
               <a:t>Murach's</a:t>
             </a:r>
             <a:r>
-              <a:rPr lang="en-US" dirty="0" smtClean="0"/>
+              <a:rPr lang="en-US" dirty="0"/>
               <a:t> Android Programming, C5</a:t>
             </a:r>
-            <a:endParaRPr lang="en-US" dirty="0"/>
           </a:p>
         </p:txBody>
       </p:sp>
@@ -6804,10 +7635,9 @@
               <a:defRPr/>
             </a:pPr>
             <a:r>
-              <a:rPr lang="en-US" dirty="0" smtClean="0"/>
+              <a:rPr lang="en-US" dirty="0"/>
               <a:t>© 2015, Mike Murach &amp; Associates, Inc., modified by Brian Bird 2016</a:t>
             </a:r>
-            <a:endParaRPr lang="en-US" dirty="0"/>
           </a:p>
         </p:txBody>
       </p:sp>
@@ -6899,13 +7729,8 @@
             </a:pPr>
             <a:r>
               <a:rPr lang="en-US" b="1" dirty="0"/>
-              <a:t>The orientation attribute for the </a:t>
-            </a:r>
-            <a:r>
-              <a:rPr lang="en-US" b="1" dirty="0" smtClean="0"/>
-              <a:t>layout:</a:t>
-            </a:r>
-            <a:endParaRPr lang="en-US" b="1" dirty="0"/>
+              <a:t>The orientation attribute for the layout:</a:t>
+            </a:r>
           </a:p>
           <a:p>
             <a:pPr marL="0" indent="0" algn="ctr">
@@ -6982,14 +7807,13 @@
               <a:defRPr/>
             </a:pPr>
             <a:r>
-              <a:rPr lang="en-US" dirty="0" err="1" smtClean="0"/>
+              <a:rPr lang="en-US" dirty="0" err="1"/>
               <a:t>Murach's</a:t>
             </a:r>
             <a:r>
-              <a:rPr lang="en-US" dirty="0" smtClean="0"/>
+              <a:rPr lang="en-US" dirty="0"/>
               <a:t> Android Programming, C5</a:t>
             </a:r>
-            <a:endParaRPr lang="en-US" dirty="0"/>
           </a:p>
         </p:txBody>
       </p:sp>
@@ -7017,10 +7841,9 @@
               <a:defRPr/>
             </a:pPr>
             <a:r>
-              <a:rPr lang="en-US" dirty="0" smtClean="0"/>
+              <a:rPr lang="en-US" dirty="0"/>
               <a:t>© 2015, Mike Murach &amp; Associates, Inc., modified by Brian Bird 2016</a:t>
             </a:r>
-            <a:endParaRPr lang="en-US" dirty="0"/>
           </a:p>
         </p:txBody>
       </p:sp>
@@ -7147,16 +7970,6 @@
               </a:rPr>
               <a:t>weight attribute for both buttons:</a:t>
             </a:r>
-            <a:r>
-              <a:rPr lang="en-US" dirty="0">
-                <a:solidFill>
-                  <a:srgbClr val="2D2DB9"/>
-                </a:solidFill>
-                <a:latin typeface="Calibri"/>
-                <a:cs typeface="Calibri"/>
-              </a:rPr>
-              <a:t/>
-            </a:r>
             <a:br>
               <a:rPr lang="en-US" dirty="0">
                 <a:solidFill>
@@ -7197,18 +8010,7 @@
                 <a:ea typeface="Courier" charset="0"/>
                 <a:cs typeface="Courier" charset="0"/>
               </a:rPr>
-              <a:t>"1</a:t>
-            </a:r>
-            <a:r>
-              <a:rPr lang="en-US" sz="2800" b="1" dirty="0" smtClean="0">
-                <a:solidFill>
-                  <a:srgbClr val="008000"/>
-                </a:solidFill>
-                <a:latin typeface="Courier" charset="0"/>
-                <a:ea typeface="Courier" charset="0"/>
-                <a:cs typeface="Courier" charset="0"/>
-              </a:rPr>
-              <a:t>"</a:t>
+              <a:t>"1"</a:t>
             </a:r>
             <a:endParaRPr lang="en-US" sz="2800" dirty="0">
               <a:latin typeface="Courier" charset="0"/>
@@ -7270,14 +8072,13 @@
               <a:defRPr/>
             </a:pPr>
             <a:r>
-              <a:rPr lang="en-US" dirty="0" err="1" smtClean="0"/>
+              <a:rPr lang="en-US" dirty="0" err="1"/>
               <a:t>Murach's</a:t>
             </a:r>
             <a:r>
-              <a:rPr lang="en-US" dirty="0" smtClean="0"/>
+              <a:rPr lang="en-US" dirty="0"/>
               <a:t> Android Programming, C5</a:t>
             </a:r>
-            <a:endParaRPr lang="en-US" dirty="0"/>
           </a:p>
         </p:txBody>
       </p:sp>
@@ -7305,10 +8106,9 @@
               <a:defRPr/>
             </a:pPr>
             <a:r>
-              <a:rPr lang="en-US" dirty="0" smtClean="0"/>
+              <a:rPr lang="en-US" dirty="0"/>
               <a:t>© 2015, Mike Murach &amp; Associates, Inc., modified by Brian Bird 2016</a:t>
             </a:r>
-            <a:endParaRPr lang="en-US" dirty="0"/>
           </a:p>
         </p:txBody>
       </p:sp>

--- a/Slides/Wk4Day1-UI Layouts and Orientation.pptx
+++ b/Slides/Wk4Day1-UI Layouts and Orientation.pptx
@@ -5,7 +5,7 @@
     <p:sldMasterId id="2147483797" r:id="rId1"/>
   </p:sldMasterIdLst>
   <p:notesMasterIdLst>
-    <p:notesMasterId r:id="rId21"/>
+    <p:notesMasterId r:id="rId22"/>
   </p:notesMasterIdLst>
   <p:sldIdLst>
     <p:sldId id="256" r:id="rId2"/>
@@ -22,11 +22,12 @@
     <p:sldId id="269" r:id="rId13"/>
     <p:sldId id="270" r:id="rId14"/>
     <p:sldId id="282" r:id="rId15"/>
-    <p:sldId id="280" r:id="rId16"/>
-    <p:sldId id="281" r:id="rId17"/>
-    <p:sldId id="277" r:id="rId18"/>
-    <p:sldId id="271" r:id="rId19"/>
-    <p:sldId id="278" r:id="rId20"/>
+    <p:sldId id="283" r:id="rId16"/>
+    <p:sldId id="280" r:id="rId17"/>
+    <p:sldId id="281" r:id="rId18"/>
+    <p:sldId id="277" r:id="rId19"/>
+    <p:sldId id="271" r:id="rId20"/>
+    <p:sldId id="278" r:id="rId21"/>
   </p:sldIdLst>
   <p:sldSz cx="9144000" cy="6858000" type="screen4x3"/>
   <p:notesSz cx="6858000" cy="9144000"/>
@@ -148,6 +149,7 @@
             <p14:sldId id="269"/>
             <p14:sldId id="270"/>
             <p14:sldId id="282"/>
+            <p14:sldId id="283"/>
             <p14:sldId id="280"/>
             <p14:sldId id="281"/>
             <p14:sldId id="277"/>
@@ -1213,7 +1215,7 @@
     </p:spTree>
     <p:extLst>
       <p:ext uri="{BB962C8B-B14F-4D97-AF65-F5344CB8AC3E}">
-        <p14:creationId xmlns:p14="http://schemas.microsoft.com/office/powerpoint/2010/main" val="2078751417"/>
+        <p14:creationId xmlns:p14="http://schemas.microsoft.com/office/powerpoint/2010/main" val="3449978499"/>
       </p:ext>
     </p:extLst>
   </p:cSld>
@@ -1332,6 +1334,133 @@
             <a:fld id="{E94675F0-C2CB-0246-91F1-0967C899A5BC}" type="slidenum">
               <a:rPr lang="en-US" smtClean="0"/>
               <a:t>16</a:t>
+            </a:fld>
+            <a:endParaRPr lang="en-US"/>
+          </a:p>
+        </p:txBody>
+      </p:sp>
+    </p:spTree>
+    <p:extLst>
+      <p:ext uri="{BB962C8B-B14F-4D97-AF65-F5344CB8AC3E}">
+        <p14:creationId xmlns:p14="http://schemas.microsoft.com/office/powerpoint/2010/main" val="2078751417"/>
+      </p:ext>
+    </p:extLst>
+  </p:cSld>
+  <p:clrMapOvr>
+    <a:masterClrMapping/>
+  </p:clrMapOvr>
+</p:notes>
+</file>
+
+<file path=ppt/notesSlides/notesSlide6.xml><?xml version="1.0" encoding="utf-8"?>
+<p:notes xmlns:a="http://schemas.openxmlformats.org/drawingml/2006/main" xmlns:r="http://schemas.openxmlformats.org/officeDocument/2006/relationships" xmlns:p="http://schemas.openxmlformats.org/presentationml/2006/main">
+  <p:cSld>
+    <p:spTree>
+      <p:nvGrpSpPr>
+        <p:cNvPr id="1" name=""/>
+        <p:cNvGrpSpPr/>
+        <p:nvPr/>
+      </p:nvGrpSpPr>
+      <p:grpSpPr>
+        <a:xfrm>
+          <a:off x="0" y="0"/>
+          <a:ext cx="0" cy="0"/>
+          <a:chOff x="0" y="0"/>
+          <a:chExt cx="0" cy="0"/>
+        </a:xfrm>
+      </p:grpSpPr>
+      <p:sp>
+        <p:nvSpPr>
+          <p:cNvPr id="2" name="Slide Image Placeholder 1"/>
+          <p:cNvSpPr>
+            <a:spLocks noGrp="1" noRot="1" noChangeAspect="1"/>
+          </p:cNvSpPr>
+          <p:nvPr>
+            <p:ph type="sldImg"/>
+          </p:nvPr>
+        </p:nvSpPr>
+        <p:spPr/>
+      </p:sp>
+      <p:sp>
+        <p:nvSpPr>
+          <p:cNvPr id="3" name="Notes Placeholder 2"/>
+          <p:cNvSpPr>
+            <a:spLocks noGrp="1"/>
+          </p:cNvSpPr>
+          <p:nvPr>
+            <p:ph type="body" idx="1"/>
+          </p:nvPr>
+        </p:nvSpPr>
+        <p:spPr/>
+        <p:txBody>
+          <a:bodyPr/>
+          <a:lstStyle/>
+          <a:p>
+            <a:r>
+              <a:rPr lang="en-US" dirty="0"/>
+              <a:t>https://</a:t>
+            </a:r>
+            <a:r>
+              <a:rPr lang="en-US" dirty="0" err="1"/>
+              <a:t>docs.microsoft.com</a:t>
+            </a:r>
+            <a:r>
+              <a:rPr lang="en-US" dirty="0"/>
+              <a:t>/</a:t>
+            </a:r>
+            <a:r>
+              <a:rPr lang="en-US" dirty="0" err="1"/>
+              <a:t>en</a:t>
+            </a:r>
+            <a:r>
+              <a:rPr lang="en-US" dirty="0"/>
+              <a:t>-us/</a:t>
+            </a:r>
+            <a:r>
+              <a:rPr lang="en-US" dirty="0" err="1"/>
+              <a:t>xamarin</a:t>
+            </a:r>
+            <a:r>
+              <a:rPr lang="en-US" dirty="0"/>
+              <a:t>/android/user-interface/android-designer/</a:t>
+            </a:r>
+            <a:r>
+              <a:rPr lang="en-US" dirty="0" err="1"/>
+              <a:t>designer-basics?tabs</a:t>
+            </a:r>
+            <a:r>
+              <a:rPr lang="en-US" dirty="0"/>
+              <a:t>=</a:t>
+            </a:r>
+            <a:r>
+              <a:rPr lang="en-US" dirty="0" err="1"/>
+              <a:t>vswin#margin</a:t>
+            </a:r>
+            <a:endParaRPr lang="en-US" dirty="0"/>
+          </a:p>
+          <a:p>
+            <a:endParaRPr lang="en-US" dirty="0"/>
+          </a:p>
+        </p:txBody>
+      </p:sp>
+      <p:sp>
+        <p:nvSpPr>
+          <p:cNvPr id="4" name="Slide Number Placeholder 3"/>
+          <p:cNvSpPr>
+            <a:spLocks noGrp="1"/>
+          </p:cNvSpPr>
+          <p:nvPr>
+            <p:ph type="sldNum" sz="quarter" idx="5"/>
+          </p:nvPr>
+        </p:nvSpPr>
+        <p:spPr/>
+        <p:txBody>
+          <a:bodyPr/>
+          <a:lstStyle/>
+          <a:p>
+            <a:fld id="{E94675F0-C2CB-0246-91F1-0967C899A5BC}" type="slidenum">
+              <a:rPr lang="en-US" smtClean="0"/>
+              <a:t>17</a:t>
             </a:fld>
             <a:endParaRPr lang="en-US"/>
           </a:p>
@@ -5120,7 +5249,114 @@
           <a:p>
             <a:r>
               <a:rPr lang="en-US" sz="4400" dirty="0"/>
-              <a:t>Layout Designer – Relative Layout</a:t>
+              <a:t>Layout Designer – Position</a:t>
+            </a:r>
+          </a:p>
+        </p:txBody>
+      </p:sp>
+      <p:sp>
+        <p:nvSpPr>
+          <p:cNvPr id="3" name="Content Placeholder 2">
+            <a:extLst>
+              <a:ext uri="{FF2B5EF4-FFF2-40B4-BE49-F238E27FC236}">
+                <a16:creationId xmlns:a16="http://schemas.microsoft.com/office/drawing/2014/main" id="{D5BED8D4-AF0C-634E-89E3-1AABB488A33A}"/>
+              </a:ext>
+            </a:extLst>
+          </p:cNvPr>
+          <p:cNvSpPr>
+            <a:spLocks noGrp="1"/>
+          </p:cNvSpPr>
+          <p:nvPr>
+            <p:ph idx="1"/>
+          </p:nvPr>
+        </p:nvSpPr>
+        <p:spPr>
+          <a:xfrm>
+            <a:off x="457200" y="1600200"/>
+            <a:ext cx="8229600" cy="2043545"/>
+          </a:xfrm>
+        </p:spPr>
+        <p:txBody>
+          <a:bodyPr>
+            <a:normAutofit fontScale="77500" lnSpcReduction="20000"/>
+          </a:bodyPr>
+          <a:lstStyle/>
+          <a:p>
+            <a:pPr marL="0" indent="0">
+              <a:buNone/>
+            </a:pPr>
+            <a:r>
+              <a:rPr lang="en-US" b="1" dirty="0"/>
+              <a:t>Position relative to other widgets</a:t>
+            </a:r>
+          </a:p>
+          <a:p>
+            <a:r>
+              <a:rPr lang="en-US" dirty="0"/>
+              <a:t>When you first drag a widget out of the toolbox, drop it so that it touches the widget that you want it to be below</a:t>
+            </a:r>
+          </a:p>
+          <a:p>
+            <a:endParaRPr lang="en-US" dirty="0"/>
+          </a:p>
+        </p:txBody>
+      </p:sp>
+    </p:spTree>
+    <p:extLst>
+      <p:ext uri="{BB962C8B-B14F-4D97-AF65-F5344CB8AC3E}">
+        <p14:creationId xmlns:p14="http://schemas.microsoft.com/office/powerpoint/2010/main" val="1360710951"/>
+      </p:ext>
+    </p:extLst>
+  </p:cSld>
+  <p:clrMapOvr>
+    <a:masterClrMapping/>
+  </p:clrMapOvr>
+</p:sld>
+</file>
+
+<file path=ppt/slides/slide15.xml><?xml version="1.0" encoding="utf-8"?>
+<p:sld xmlns:a="http://schemas.openxmlformats.org/drawingml/2006/main" xmlns:r="http://schemas.openxmlformats.org/officeDocument/2006/relationships" xmlns:p="http://schemas.openxmlformats.org/presentationml/2006/main">
+  <p:cSld>
+    <p:spTree>
+      <p:nvGrpSpPr>
+        <p:cNvPr id="1" name=""/>
+        <p:cNvGrpSpPr/>
+        <p:nvPr/>
+      </p:nvGrpSpPr>
+      <p:grpSpPr>
+        <a:xfrm>
+          <a:off x="0" y="0"/>
+          <a:ext cx="0" cy="0"/>
+          <a:chOff x="0" y="0"/>
+          <a:chExt cx="0" cy="0"/>
+        </a:xfrm>
+      </p:grpSpPr>
+      <p:sp>
+        <p:nvSpPr>
+          <p:cNvPr id="2" name="Title 1">
+            <a:extLst>
+              <a:ext uri="{FF2B5EF4-FFF2-40B4-BE49-F238E27FC236}">
+                <a16:creationId xmlns:a16="http://schemas.microsoft.com/office/drawing/2014/main" id="{80BB211D-5E74-9C47-A166-9B48B5DB6A69}"/>
+              </a:ext>
+            </a:extLst>
+          </p:cNvPr>
+          <p:cNvSpPr>
+            <a:spLocks noGrp="1"/>
+          </p:cNvSpPr>
+          <p:nvPr>
+            <p:ph type="title"/>
+          </p:nvPr>
+        </p:nvSpPr>
+        <p:spPr/>
+        <p:txBody>
+          <a:bodyPr>
+            <a:noAutofit/>
+          </a:bodyPr>
+          <a:lstStyle/>
+          <a:p>
+            <a:r>
+              <a:rPr lang="en-US" sz="4400" dirty="0"/>
+              <a:t>Layout Designer – Size</a:t>
             </a:r>
           </a:p>
         </p:txBody>
@@ -5223,7 +5459,7 @@
     </p:spTree>
     <p:extLst>
       <p:ext uri="{BB962C8B-B14F-4D97-AF65-F5344CB8AC3E}">
-        <p14:creationId xmlns:p14="http://schemas.microsoft.com/office/powerpoint/2010/main" val="1360710951"/>
+        <p14:creationId xmlns:p14="http://schemas.microsoft.com/office/powerpoint/2010/main" val="3353438181"/>
       </p:ext>
     </p:extLst>
   </p:cSld>
@@ -5233,7 +5469,7 @@
 </p:sld>
 </file>
 
-<file path=ppt/slides/slide15.xml><?xml version="1.0" encoding="utf-8"?>
+<file path=ppt/slides/slide16.xml><?xml version="1.0" encoding="utf-8"?>
 <p:sld xmlns:a="http://schemas.openxmlformats.org/drawingml/2006/main" xmlns:r="http://schemas.openxmlformats.org/officeDocument/2006/relationships" xmlns:p="http://schemas.openxmlformats.org/presentationml/2006/main">
   <p:cSld>
     <p:spTree>
@@ -5275,7 +5511,7 @@
           <a:p>
             <a:r>
               <a:rPr lang="en-US" sz="4400" dirty="0"/>
-              <a:t>Layout Designer – Relative Layout</a:t>
+              <a:t>Layout Designer – Margins</a:t>
             </a:r>
           </a:p>
         </p:txBody>
@@ -5376,7 +5612,7 @@
 </p:sld>
 </file>
 
-<file path=ppt/slides/slide16.xml><?xml version="1.0" encoding="utf-8"?>
+<file path=ppt/slides/slide17.xml><?xml version="1.0" encoding="utf-8"?>
 <p:sld xmlns:a="http://schemas.openxmlformats.org/drawingml/2006/main" xmlns:r="http://schemas.openxmlformats.org/officeDocument/2006/relationships" xmlns:p="http://schemas.openxmlformats.org/presentationml/2006/main">
   <p:cSld>
     <p:spTree>
@@ -5418,7 +5654,7 @@
           <a:p>
             <a:r>
               <a:rPr lang="en-US" sz="4400" dirty="0"/>
-              <a:t>Layout Designer – Relative Layout</a:t>
+              <a:t>Layout Designer – Alignment</a:t>
             </a:r>
           </a:p>
         </p:txBody>
@@ -5456,25 +5692,19 @@
             </a:pPr>
             <a:r>
               <a:rPr lang="en-US" b="1" dirty="0"/>
-              <a:t>Adjusting  Position</a:t>
-            </a:r>
-          </a:p>
-          <a:p>
-            <a:r>
-              <a:rPr lang="en-US" dirty="0"/>
-              <a:t>The third time you click a widget, position handles appear</a:t>
-            </a:r>
-          </a:p>
-          <a:p>
-            <a:r>
-              <a:rPr lang="en-US" dirty="0"/>
-              <a:t>Drag a handle to another widget to set it’s relative position</a:t>
-            </a:r>
-          </a:p>
-          <a:p>
-            <a:r>
-              <a:rPr lang="en-US" dirty="0"/>
-              <a:t>Click on the arrow handles to fill the parent in that direction</a:t>
+              <a:t>Aligning Position</a:t>
+            </a:r>
+          </a:p>
+          <a:p>
+            <a:r>
+              <a:rPr lang="en-US" dirty="0"/>
+              <a:t>The third time you click a widget, alignment handles appear</a:t>
+            </a:r>
+          </a:p>
+          <a:p>
+            <a:r>
+              <a:rPr lang="en-US" dirty="0"/>
+              <a:t>Drag a handle to an edge of another widget to align it’s relative position</a:t>
             </a:r>
           </a:p>
           <a:p>
@@ -5531,7 +5761,7 @@
 </p:sld>
 </file>
 
-<file path=ppt/slides/slide17.xml><?xml version="1.0" encoding="utf-8"?>
+<file path=ppt/slides/slide18.xml><?xml version="1.0" encoding="utf-8"?>
 <p:sld xmlns:a="http://schemas.openxmlformats.org/drawingml/2006/main" xmlns:r="http://schemas.openxmlformats.org/officeDocument/2006/relationships" xmlns:p="http://schemas.openxmlformats.org/presentationml/2006/main">
   <p:cSld>
     <p:spTree>
@@ -5638,7 +5868,7 @@
 </p:sld>
 </file>
 
-<file path=ppt/slides/slide18.xml><?xml version="1.0" encoding="utf-8"?>
+<file path=ppt/slides/slide19.xml><?xml version="1.0" encoding="utf-8"?>
 <p:sld xmlns:a="http://schemas.openxmlformats.org/drawingml/2006/main" xmlns:r="http://schemas.openxmlformats.org/officeDocument/2006/relationships" xmlns:p="http://schemas.openxmlformats.org/presentationml/2006/main">
   <p:cSld>
     <p:spTree>
@@ -5778,149 +6008,6 @@
     <p:extLst>
       <p:ext uri="{BB962C8B-B14F-4D97-AF65-F5344CB8AC3E}">
         <p14:creationId xmlns:p14="http://schemas.microsoft.com/office/powerpoint/2010/main" val="1360863398"/>
-      </p:ext>
-    </p:extLst>
-  </p:cSld>
-  <p:clrMapOvr>
-    <a:masterClrMapping/>
-  </p:clrMapOvr>
-</p:sld>
-</file>
-
-<file path=ppt/slides/slide19.xml><?xml version="1.0" encoding="utf-8"?>
-<p:sld xmlns:a="http://schemas.openxmlformats.org/drawingml/2006/main" xmlns:r="http://schemas.openxmlformats.org/officeDocument/2006/relationships" xmlns:p="http://schemas.openxmlformats.org/presentationml/2006/main">
-  <p:cSld>
-    <p:spTree>
-      <p:nvGrpSpPr>
-        <p:cNvPr id="1" name=""/>
-        <p:cNvGrpSpPr/>
-        <p:nvPr/>
-      </p:nvGrpSpPr>
-      <p:grpSpPr>
-        <a:xfrm>
-          <a:off x="0" y="0"/>
-          <a:ext cx="0" cy="0"/>
-          <a:chOff x="0" y="0"/>
-          <a:chExt cx="0" cy="0"/>
-        </a:xfrm>
-      </p:grpSpPr>
-      <p:sp>
-        <p:nvSpPr>
-          <p:cNvPr id="2" name="Title 1"/>
-          <p:cNvSpPr>
-            <a:spLocks noGrp="1"/>
-          </p:cNvSpPr>
-          <p:nvPr>
-            <p:ph type="title"/>
-          </p:nvPr>
-        </p:nvSpPr>
-        <p:spPr>
-          <a:xfrm>
-            <a:off x="457200" y="457200"/>
-            <a:ext cx="8229600" cy="957943"/>
-          </a:xfrm>
-        </p:spPr>
-        <p:txBody>
-          <a:bodyPr/>
-          <a:lstStyle/>
-          <a:p>
-            <a:r>
-              <a:rPr lang="en-US" dirty="0"/>
-              <a:t>Location of the XML Files</a:t>
-            </a:r>
-          </a:p>
-        </p:txBody>
-      </p:sp>
-      <p:sp>
-        <p:nvSpPr>
-          <p:cNvPr id="3" name="Content Placeholder 2"/>
-          <p:cNvSpPr>
-            <a:spLocks noGrp="1"/>
-          </p:cNvSpPr>
-          <p:nvPr>
-            <p:ph idx="1"/>
-          </p:nvPr>
-        </p:nvSpPr>
-        <p:spPr>
-          <a:xfrm>
-            <a:off x="457200" y="2166258"/>
-            <a:ext cx="8229600" cy="3959906"/>
-          </a:xfrm>
-        </p:spPr>
-        <p:txBody>
-          <a:bodyPr>
-            <a:normAutofit/>
-          </a:bodyPr>
-          <a:lstStyle/>
-          <a:p>
-            <a:r>
-              <a:rPr lang="en-US" b="1" dirty="0"/>
-              <a:t>Portrait</a:t>
-            </a:r>
-            <a:br>
-              <a:rPr lang="en-US" b="1" dirty="0"/>
-            </a:br>
-            <a:r>
-              <a:rPr lang="en-US" dirty="0"/>
-              <a:t>Resources/</a:t>
-            </a:r>
-            <a:r>
-              <a:rPr lang="en-US" dirty="0">
-                <a:solidFill>
-                  <a:srgbClr val="0070C0"/>
-                </a:solidFill>
-              </a:rPr>
-              <a:t>layout</a:t>
-            </a:r>
-            <a:r>
-              <a:rPr lang="en-US" dirty="0"/>
-              <a:t>/</a:t>
-            </a:r>
-            <a:r>
-              <a:rPr lang="en-US" dirty="0" err="1"/>
-              <a:t>activity_main.xml</a:t>
-            </a:r>
-            <a:endParaRPr lang="en-US" dirty="0"/>
-          </a:p>
-          <a:p>
-            <a:r>
-              <a:rPr lang="en-US" b="1" dirty="0"/>
-              <a:t>Landscape</a:t>
-            </a:r>
-            <a:br>
-              <a:rPr lang="en-US" b="1" dirty="0"/>
-            </a:br>
-            <a:r>
-              <a:rPr lang="en-US" dirty="0"/>
-              <a:t>Resources/</a:t>
-            </a:r>
-            <a:r>
-              <a:rPr lang="en-US" dirty="0">
-                <a:solidFill>
-                  <a:srgbClr val="0070C0"/>
-                </a:solidFill>
-              </a:rPr>
-              <a:t>layout-land</a:t>
-            </a:r>
-            <a:r>
-              <a:rPr lang="en-US" dirty="0"/>
-              <a:t>/</a:t>
-            </a:r>
-            <a:r>
-              <a:rPr lang="en-US" dirty="0" err="1"/>
-              <a:t>activity_main.xml</a:t>
-            </a:r>
-            <a:endParaRPr lang="en-US" dirty="0"/>
-          </a:p>
-          <a:p>
-            <a:endParaRPr lang="en-US" dirty="0"/>
-          </a:p>
-        </p:txBody>
-      </p:sp>
-    </p:spTree>
-    <p:extLst>
-      <p:ext uri="{BB962C8B-B14F-4D97-AF65-F5344CB8AC3E}">
-        <p14:creationId xmlns:p14="http://schemas.microsoft.com/office/powerpoint/2010/main" val="1747687140"/>
       </p:ext>
     </p:extLst>
   </p:cSld>
@@ -6708,6 +6795,149 @@
     <p:extLst>
       <p:ext uri="{BB962C8B-B14F-4D97-AF65-F5344CB8AC3E}">
         <p14:creationId xmlns:p14="http://schemas.microsoft.com/office/powerpoint/2010/main" val="1551616293"/>
+      </p:ext>
+    </p:extLst>
+  </p:cSld>
+  <p:clrMapOvr>
+    <a:masterClrMapping/>
+  </p:clrMapOvr>
+</p:sld>
+</file>
+
+<file path=ppt/slides/slide20.xml><?xml version="1.0" encoding="utf-8"?>
+<p:sld xmlns:a="http://schemas.openxmlformats.org/drawingml/2006/main" xmlns:r="http://schemas.openxmlformats.org/officeDocument/2006/relationships" xmlns:p="http://schemas.openxmlformats.org/presentationml/2006/main">
+  <p:cSld>
+    <p:spTree>
+      <p:nvGrpSpPr>
+        <p:cNvPr id="1" name=""/>
+        <p:cNvGrpSpPr/>
+        <p:nvPr/>
+      </p:nvGrpSpPr>
+      <p:grpSpPr>
+        <a:xfrm>
+          <a:off x="0" y="0"/>
+          <a:ext cx="0" cy="0"/>
+          <a:chOff x="0" y="0"/>
+          <a:chExt cx="0" cy="0"/>
+        </a:xfrm>
+      </p:grpSpPr>
+      <p:sp>
+        <p:nvSpPr>
+          <p:cNvPr id="2" name="Title 1"/>
+          <p:cNvSpPr>
+            <a:spLocks noGrp="1"/>
+          </p:cNvSpPr>
+          <p:nvPr>
+            <p:ph type="title"/>
+          </p:nvPr>
+        </p:nvSpPr>
+        <p:spPr>
+          <a:xfrm>
+            <a:off x="457200" y="457200"/>
+            <a:ext cx="8229600" cy="957943"/>
+          </a:xfrm>
+        </p:spPr>
+        <p:txBody>
+          <a:bodyPr/>
+          <a:lstStyle/>
+          <a:p>
+            <a:r>
+              <a:rPr lang="en-US" dirty="0"/>
+              <a:t>Location of the XML Files</a:t>
+            </a:r>
+          </a:p>
+        </p:txBody>
+      </p:sp>
+      <p:sp>
+        <p:nvSpPr>
+          <p:cNvPr id="3" name="Content Placeholder 2"/>
+          <p:cNvSpPr>
+            <a:spLocks noGrp="1"/>
+          </p:cNvSpPr>
+          <p:nvPr>
+            <p:ph idx="1"/>
+          </p:nvPr>
+        </p:nvSpPr>
+        <p:spPr>
+          <a:xfrm>
+            <a:off x="457200" y="2166258"/>
+            <a:ext cx="8229600" cy="3959906"/>
+          </a:xfrm>
+        </p:spPr>
+        <p:txBody>
+          <a:bodyPr>
+            <a:normAutofit/>
+          </a:bodyPr>
+          <a:lstStyle/>
+          <a:p>
+            <a:r>
+              <a:rPr lang="en-US" b="1" dirty="0"/>
+              <a:t>Portrait</a:t>
+            </a:r>
+            <a:br>
+              <a:rPr lang="en-US" b="1" dirty="0"/>
+            </a:br>
+            <a:r>
+              <a:rPr lang="en-US" dirty="0"/>
+              <a:t>Resources/</a:t>
+            </a:r>
+            <a:r>
+              <a:rPr lang="en-US" dirty="0">
+                <a:solidFill>
+                  <a:srgbClr val="0070C0"/>
+                </a:solidFill>
+              </a:rPr>
+              <a:t>layout</a:t>
+            </a:r>
+            <a:r>
+              <a:rPr lang="en-US" dirty="0"/>
+              <a:t>/</a:t>
+            </a:r>
+            <a:r>
+              <a:rPr lang="en-US" dirty="0" err="1"/>
+              <a:t>activity_main.xml</a:t>
+            </a:r>
+            <a:endParaRPr lang="en-US" dirty="0"/>
+          </a:p>
+          <a:p>
+            <a:r>
+              <a:rPr lang="en-US" b="1" dirty="0"/>
+              <a:t>Landscape</a:t>
+            </a:r>
+            <a:br>
+              <a:rPr lang="en-US" b="1" dirty="0"/>
+            </a:br>
+            <a:r>
+              <a:rPr lang="en-US" dirty="0"/>
+              <a:t>Resources/</a:t>
+            </a:r>
+            <a:r>
+              <a:rPr lang="en-US" dirty="0">
+                <a:solidFill>
+                  <a:srgbClr val="0070C0"/>
+                </a:solidFill>
+              </a:rPr>
+              <a:t>layout-land</a:t>
+            </a:r>
+            <a:r>
+              <a:rPr lang="en-US" dirty="0"/>
+              <a:t>/</a:t>
+            </a:r>
+            <a:r>
+              <a:rPr lang="en-US" dirty="0" err="1"/>
+              <a:t>activity_main.xml</a:t>
+            </a:r>
+            <a:endParaRPr lang="en-US" dirty="0"/>
+          </a:p>
+          <a:p>
+            <a:endParaRPr lang="en-US" dirty="0"/>
+          </a:p>
+        </p:txBody>
+      </p:sp>
+    </p:spTree>
+    <p:extLst>
+      <p:ext uri="{BB962C8B-B14F-4D97-AF65-F5344CB8AC3E}">
+        <p14:creationId xmlns:p14="http://schemas.microsoft.com/office/powerpoint/2010/main" val="1747687140"/>
       </p:ext>
     </p:extLst>
   </p:cSld>

--- a/Slides/Wk4Day1-UI Layouts and Orientation.pptx
+++ b/Slides/Wk4Day1-UI Layouts and Orientation.pptx
@@ -570,7 +570,7 @@
           <a:bodyPr/>
           <a:lstStyle/>
           <a:p>
-            <a:endParaRPr lang="en-US" baseline="0" dirty="0"/>
+            <a:endParaRPr lang="en-US"/>
           </a:p>
         </p:txBody>
       </p:sp>
@@ -581,7 +581,7 @@
             <a:spLocks noGrp="1"/>
           </p:cNvSpPr>
           <p:nvPr>
-            <p:ph type="sldNum" sz="quarter" idx="10"/>
+            <p:ph type="sldNum" sz="quarter" idx="5"/>
           </p:nvPr>
         </p:nvSpPr>
         <p:spPr/>
@@ -591,7 +591,7 @@
           <a:p>
             <a:fld id="{E94675F0-C2CB-0246-91F1-0967C899A5BC}" type="slidenum">
               <a:rPr lang="en-US" smtClean="0"/>
-              <a:t>2</a:t>
+              <a:t>1</a:t>
             </a:fld>
             <a:endParaRPr lang="en-US"/>
           </a:p>
@@ -600,7 +600,7 @@
     </p:spTree>
     <p:extLst>
       <p:ext uri="{BB962C8B-B14F-4D97-AF65-F5344CB8AC3E}">
-        <p14:creationId xmlns:p14="http://schemas.microsoft.com/office/powerpoint/2010/main" val="751922344"/>
+        <p14:creationId xmlns:p14="http://schemas.microsoft.com/office/powerpoint/2010/main" val="1390335075"/>
       </p:ext>
     </p:extLst>
   </p:cSld>
@@ -654,284 +654,7 @@
           <a:bodyPr/>
           <a:lstStyle/>
           <a:p>
-            <a:r>
-              <a:rPr lang="en-US" dirty="0"/>
-              <a:t>Linear</a:t>
-            </a:r>
-            <a:r>
-              <a:rPr lang="en-US" baseline="0" dirty="0"/>
-              <a:t> Layout</a:t>
-            </a:r>
-          </a:p>
-          <a:p>
-            <a:r>
-              <a:rPr lang="en-US" dirty="0"/>
-              <a:t>http://</a:t>
-            </a:r>
-            <a:r>
-              <a:rPr lang="en-US" dirty="0" err="1"/>
-              <a:t>developer.android.com</a:t>
-            </a:r>
-            <a:r>
-              <a:rPr lang="en-US" dirty="0"/>
-              <a:t>/guide/topics/</a:t>
-            </a:r>
-            <a:r>
-              <a:rPr lang="en-US" dirty="0" err="1"/>
-              <a:t>ui</a:t>
-            </a:r>
-            <a:r>
-              <a:rPr lang="en-US" dirty="0"/>
-              <a:t>/layout/</a:t>
-            </a:r>
-            <a:r>
-              <a:rPr lang="en-US" dirty="0" err="1"/>
-              <a:t>linear.html</a:t>
-            </a:r>
-            <a:endParaRPr lang="en-US" dirty="0"/>
-          </a:p>
-          <a:p>
-            <a:r>
-              <a:rPr lang="en-US" dirty="0"/>
-              <a:t>https://</a:t>
-            </a:r>
-            <a:r>
-              <a:rPr lang="en-US" dirty="0" err="1"/>
-              <a:t>developer.xamarin.com</a:t>
-            </a:r>
-            <a:r>
-              <a:rPr lang="en-US" dirty="0"/>
-              <a:t>/guides/android/</a:t>
-            </a:r>
-            <a:r>
-              <a:rPr lang="en-US" dirty="0" err="1"/>
-              <a:t>user_interface</a:t>
-            </a:r>
-            <a:r>
-              <a:rPr lang="en-US" dirty="0"/>
-              <a:t>/</a:t>
-            </a:r>
-            <a:r>
-              <a:rPr lang="en-US" dirty="0" err="1"/>
-              <a:t>linear_layout</a:t>
-            </a:r>
-            <a:r>
-              <a:rPr lang="en-US" dirty="0"/>
-              <a:t>/</a:t>
-            </a:r>
-          </a:p>
-          <a:p>
-            <a:r>
-              <a:rPr lang="en-US" dirty="0"/>
-              <a:t>Relative Layout</a:t>
-            </a:r>
-          </a:p>
-          <a:p>
-            <a:r>
-              <a:rPr lang="en-US" dirty="0"/>
-              <a:t>http://</a:t>
-            </a:r>
-            <a:r>
-              <a:rPr lang="en-US" dirty="0" err="1"/>
-              <a:t>developer.android.com</a:t>
-            </a:r>
-            <a:r>
-              <a:rPr lang="en-US" dirty="0"/>
-              <a:t>/guide/topics/</a:t>
-            </a:r>
-            <a:r>
-              <a:rPr lang="en-US" dirty="0" err="1"/>
-              <a:t>ui</a:t>
-            </a:r>
-            <a:r>
-              <a:rPr lang="en-US" dirty="0"/>
-              <a:t>/layout/</a:t>
-            </a:r>
-            <a:r>
-              <a:rPr lang="en-US" dirty="0" err="1"/>
-              <a:t>relative.html</a:t>
-            </a:r>
-            <a:endParaRPr lang="en-US" dirty="0"/>
-          </a:p>
-          <a:p>
-            <a:r>
-              <a:rPr lang="en-US" dirty="0"/>
-              <a:t>https://</a:t>
-            </a:r>
-            <a:r>
-              <a:rPr lang="en-US" dirty="0" err="1"/>
-              <a:t>developer.xamarin.com</a:t>
-            </a:r>
-            <a:r>
-              <a:rPr lang="en-US" dirty="0"/>
-              <a:t>/guides/android/</a:t>
-            </a:r>
-            <a:r>
-              <a:rPr lang="en-US" dirty="0" err="1"/>
-              <a:t>user_interface</a:t>
-            </a:r>
-            <a:r>
-              <a:rPr lang="en-US" dirty="0"/>
-              <a:t>/</a:t>
-            </a:r>
-            <a:r>
-              <a:rPr lang="en-US" dirty="0" err="1"/>
-              <a:t>relative_layout</a:t>
-            </a:r>
-            <a:r>
-              <a:rPr lang="en-US" dirty="0"/>
-              <a:t>/</a:t>
-            </a:r>
-          </a:p>
-          <a:p>
-            <a:r>
-              <a:rPr lang="en-US" dirty="0"/>
-              <a:t>Table Layout</a:t>
-            </a:r>
-          </a:p>
-          <a:p>
-            <a:r>
-              <a:rPr lang="en-US" dirty="0"/>
-              <a:t>http://</a:t>
-            </a:r>
-            <a:r>
-              <a:rPr lang="en-US" dirty="0" err="1"/>
-              <a:t>developer.android.com</a:t>
-            </a:r>
-            <a:r>
-              <a:rPr lang="en-US" dirty="0"/>
-              <a:t>/guide/topics/</a:t>
-            </a:r>
-            <a:r>
-              <a:rPr lang="en-US" dirty="0" err="1"/>
-              <a:t>ui</a:t>
-            </a:r>
-            <a:r>
-              <a:rPr lang="en-US" dirty="0"/>
-              <a:t>/layout/</a:t>
-            </a:r>
-            <a:r>
-              <a:rPr lang="en-US" dirty="0" err="1"/>
-              <a:t>grid.html</a:t>
-            </a:r>
-            <a:endParaRPr lang="en-US" dirty="0"/>
-          </a:p>
-          <a:p>
-            <a:r>
-              <a:rPr lang="en-US" dirty="0"/>
-              <a:t>https://</a:t>
-            </a:r>
-            <a:r>
-              <a:rPr lang="en-US" dirty="0" err="1"/>
-              <a:t>developer.xamarin.com</a:t>
-            </a:r>
-            <a:r>
-              <a:rPr lang="en-US" dirty="0"/>
-              <a:t>/guides/android/</a:t>
-            </a:r>
-            <a:r>
-              <a:rPr lang="en-US" dirty="0" err="1"/>
-              <a:t>user_interface</a:t>
-            </a:r>
-            <a:r>
-              <a:rPr lang="en-US" dirty="0"/>
-              <a:t>/</a:t>
-            </a:r>
-            <a:r>
-              <a:rPr lang="en-US" dirty="0" err="1"/>
-              <a:t>table_layout</a:t>
-            </a:r>
-            <a:r>
-              <a:rPr lang="en-US" dirty="0"/>
-              <a:t>/</a:t>
-            </a:r>
-          </a:p>
-          <a:p>
-            <a:r>
-              <a:rPr lang="en-US" dirty="0"/>
-              <a:t>Grid Layout</a:t>
-            </a:r>
-          </a:p>
-          <a:p>
-            <a:r>
-              <a:rPr lang="en-US" dirty="0"/>
-              <a:t>https://</a:t>
-            </a:r>
-            <a:r>
-              <a:rPr lang="en-US" dirty="0" err="1"/>
-              <a:t>developer.xamarin.com</a:t>
-            </a:r>
-            <a:r>
-              <a:rPr lang="en-US" dirty="0"/>
-              <a:t>/guides/android/</a:t>
-            </a:r>
-            <a:r>
-              <a:rPr lang="en-US" dirty="0" err="1"/>
-              <a:t>user_interface</a:t>
-            </a:r>
-            <a:r>
-              <a:rPr lang="en-US" dirty="0"/>
-              <a:t>/</a:t>
-            </a:r>
-            <a:r>
-              <a:rPr lang="en-US" dirty="0" err="1"/>
-              <a:t>gridlayout</a:t>
-            </a:r>
-            <a:r>
-              <a:rPr lang="en-US" dirty="0"/>
-              <a:t>/</a:t>
-            </a:r>
-          </a:p>
-          <a:p>
-            <a:r>
-              <a:rPr lang="en-US" dirty="0"/>
-              <a:t>http://</a:t>
-            </a:r>
-            <a:r>
-              <a:rPr lang="en-US" dirty="0" err="1"/>
-              <a:t>developer.android.com</a:t>
-            </a:r>
-            <a:r>
-              <a:rPr lang="en-US" dirty="0"/>
-              <a:t>/reference/android/widget/</a:t>
-            </a:r>
-            <a:r>
-              <a:rPr lang="en-US" dirty="0" err="1"/>
-              <a:t>GridLayout.html</a:t>
-            </a:r>
-            <a:endParaRPr lang="en-US" dirty="0"/>
-          </a:p>
-          <a:p>
-            <a:r>
-              <a:rPr lang="en-US" dirty="0" err="1"/>
-              <a:t>Contrstaint</a:t>
-            </a:r>
-            <a:r>
-              <a:rPr lang="en-US" dirty="0"/>
-              <a:t> </a:t>
-            </a:r>
-            <a:r>
-              <a:rPr lang="en-US" dirty="0" err="1"/>
-              <a:t>Layoutou</a:t>
-            </a:r>
-            <a:endParaRPr lang="en-US" dirty="0"/>
-          </a:p>
-          <a:p>
-            <a:r>
-              <a:rPr lang="en-US" dirty="0"/>
-              <a:t>https://</a:t>
-            </a:r>
-            <a:r>
-              <a:rPr lang="en-US" dirty="0" err="1"/>
-              <a:t>developer.android.com</a:t>
-            </a:r>
-            <a:r>
-              <a:rPr lang="en-US" dirty="0"/>
-              <a:t>/training/constraint-layout/</a:t>
-            </a:r>
-          </a:p>
-          <a:p>
-            <a:endParaRPr lang="en-US" dirty="0"/>
+            <a:endParaRPr lang="en-US" baseline="0" dirty="0"/>
           </a:p>
         </p:txBody>
       </p:sp>
@@ -952,7 +675,7 @@
           <a:p>
             <a:fld id="{E94675F0-C2CB-0246-91F1-0967C899A5BC}" type="slidenum">
               <a:rPr lang="en-US" smtClean="0"/>
-              <a:t>4</a:t>
+              <a:t>2</a:t>
             </a:fld>
             <a:endParaRPr lang="en-US"/>
           </a:p>
@@ -961,7 +684,7 @@
     </p:spTree>
     <p:extLst>
       <p:ext uri="{BB962C8B-B14F-4D97-AF65-F5344CB8AC3E}">
-        <p14:creationId xmlns:p14="http://schemas.microsoft.com/office/powerpoint/2010/main" val="2624130679"/>
+        <p14:creationId xmlns:p14="http://schemas.microsoft.com/office/powerpoint/2010/main" val="751922344"/>
       </p:ext>
     </p:extLst>
   </p:cSld>
@@ -1017,11 +740,56 @@
           <a:p>
             <a:r>
               <a:rPr lang="en-US" dirty="0"/>
+              <a:t>Linear</a:t>
+            </a:r>
+            <a:r>
+              <a:rPr lang="en-US" baseline="0" dirty="0"/>
+              <a:t> Layout</a:t>
+            </a:r>
+          </a:p>
+          <a:p>
+            <a:r>
+              <a:rPr lang="en-US" dirty="0"/>
+              <a:t>http://</a:t>
+            </a:r>
+            <a:r>
+              <a:rPr lang="en-US" dirty="0" err="1"/>
+              <a:t>developer.android.com</a:t>
+            </a:r>
+            <a:r>
+              <a:rPr lang="en-US" dirty="0"/>
+              <a:t>/guide/topics/</a:t>
+            </a:r>
+            <a:r>
+              <a:rPr lang="en-US" dirty="0" err="1"/>
+              <a:t>ui</a:t>
+            </a:r>
+            <a:r>
+              <a:rPr lang="en-US" dirty="0"/>
+              <a:t>/layout/</a:t>
+            </a:r>
+            <a:r>
+              <a:rPr lang="en-US" dirty="0" err="1"/>
+              <a:t>linear.html</a:t>
+            </a:r>
+            <a:endParaRPr lang="en-US" dirty="0"/>
+          </a:p>
+          <a:p>
+            <a:r>
+              <a:rPr lang="en-US" dirty="0"/>
               <a:t>https://</a:t>
             </a:r>
             <a:r>
               <a:rPr lang="en-US" dirty="0" err="1"/>
-              <a:t>docs.microsoft.com</a:t>
+              <a:t>developer.xamarin.com</a:t>
+            </a:r>
+            <a:r>
+              <a:rPr lang="en-US" dirty="0"/>
+              <a:t>/guides/android/</a:t>
+            </a:r>
+            <a:r>
+              <a:rPr lang="en-US" dirty="0" err="1"/>
+              <a:t>user_interface</a:t>
             </a:r>
             <a:r>
               <a:rPr lang="en-US" dirty="0"/>
@@ -1029,37 +797,226 @@
             </a:r>
             <a:r>
               <a:rPr lang="en-US" dirty="0" err="1"/>
-              <a:t>en</a:t>
-            </a:r>
-            <a:r>
-              <a:rPr lang="en-US" dirty="0"/>
-              <a:t>-us/</a:t>
+              <a:t>linear_layout</a:t>
+            </a:r>
+            <a:r>
+              <a:rPr lang="en-US" dirty="0"/>
+              <a:t>/</a:t>
+            </a:r>
+          </a:p>
+          <a:p>
+            <a:r>
+              <a:rPr lang="en-US" dirty="0"/>
+              <a:t>Relative Layout</a:t>
+            </a:r>
+          </a:p>
+          <a:p>
+            <a:r>
+              <a:rPr lang="en-US" dirty="0"/>
+              <a:t>http://</a:t>
             </a:r>
             <a:r>
               <a:rPr lang="en-US" dirty="0" err="1"/>
-              <a:t>xamarin</a:t>
-            </a:r>
-            <a:r>
-              <a:rPr lang="en-US" dirty="0"/>
-              <a:t>/android/user-interface/android-designer/</a:t>
+              <a:t>developer.android.com</a:t>
+            </a:r>
+            <a:r>
+              <a:rPr lang="en-US" dirty="0"/>
+              <a:t>/guide/topics/</a:t>
             </a:r>
             <a:r>
               <a:rPr lang="en-US" dirty="0" err="1"/>
-              <a:t>designer-basics?tabs</a:t>
-            </a:r>
-            <a:r>
-              <a:rPr lang="en-US" dirty="0"/>
-              <a:t>=</a:t>
+              <a:t>ui</a:t>
+            </a:r>
+            <a:r>
+              <a:rPr lang="en-US" dirty="0"/>
+              <a:t>/layout/</a:t>
             </a:r>
             <a:r>
               <a:rPr lang="en-US" dirty="0" err="1"/>
-              <a:t>vswin#margin</a:t>
+              <a:t>relative.html</a:t>
             </a:r>
             <a:endParaRPr lang="en-US" dirty="0"/>
           </a:p>
           <a:p>
+            <a:r>
+              <a:rPr lang="en-US" dirty="0"/>
+              <a:t>https://</a:t>
+            </a:r>
+            <a:r>
+              <a:rPr lang="en-US" dirty="0" err="1"/>
+              <a:t>developer.xamarin.com</a:t>
+            </a:r>
+            <a:r>
+              <a:rPr lang="en-US" dirty="0"/>
+              <a:t>/guides/android/</a:t>
+            </a:r>
+            <a:r>
+              <a:rPr lang="en-US" dirty="0" err="1"/>
+              <a:t>user_interface</a:t>
+            </a:r>
+            <a:r>
+              <a:rPr lang="en-US" dirty="0"/>
+              <a:t>/</a:t>
+            </a:r>
+            <a:r>
+              <a:rPr lang="en-US" dirty="0" err="1"/>
+              <a:t>relative_layout</a:t>
+            </a:r>
+            <a:r>
+              <a:rPr lang="en-US" dirty="0"/>
+              <a:t>/</a:t>
+            </a:r>
+          </a:p>
+          <a:p>
+            <a:r>
+              <a:rPr lang="en-US" dirty="0"/>
+              <a:t>Table Layout</a:t>
+            </a:r>
+          </a:p>
+          <a:p>
+            <a:r>
+              <a:rPr lang="en-US" dirty="0"/>
+              <a:t>http://</a:t>
+            </a:r>
+            <a:r>
+              <a:rPr lang="en-US" dirty="0" err="1"/>
+              <a:t>developer.android.com</a:t>
+            </a:r>
+            <a:r>
+              <a:rPr lang="en-US" dirty="0"/>
+              <a:t>/guide/topics/</a:t>
+            </a:r>
+            <a:r>
+              <a:rPr lang="en-US" dirty="0" err="1"/>
+              <a:t>ui</a:t>
+            </a:r>
+            <a:r>
+              <a:rPr lang="en-US" dirty="0"/>
+              <a:t>/layout/</a:t>
+            </a:r>
+            <a:r>
+              <a:rPr lang="en-US" dirty="0" err="1"/>
+              <a:t>grid.html</a:t>
+            </a:r>
             <a:endParaRPr lang="en-US" dirty="0"/>
           </a:p>
+          <a:p>
+            <a:r>
+              <a:rPr lang="en-US" dirty="0"/>
+              <a:t>https://</a:t>
+            </a:r>
+            <a:r>
+              <a:rPr lang="en-US" dirty="0" err="1"/>
+              <a:t>developer.xamarin.com</a:t>
+            </a:r>
+            <a:r>
+              <a:rPr lang="en-US" dirty="0"/>
+              <a:t>/guides/android/</a:t>
+            </a:r>
+            <a:r>
+              <a:rPr lang="en-US" dirty="0" err="1"/>
+              <a:t>user_interface</a:t>
+            </a:r>
+            <a:r>
+              <a:rPr lang="en-US" dirty="0"/>
+              <a:t>/</a:t>
+            </a:r>
+            <a:r>
+              <a:rPr lang="en-US" dirty="0" err="1"/>
+              <a:t>table_layout</a:t>
+            </a:r>
+            <a:r>
+              <a:rPr lang="en-US" dirty="0"/>
+              <a:t>/</a:t>
+            </a:r>
+          </a:p>
+          <a:p>
+            <a:r>
+              <a:rPr lang="en-US" dirty="0"/>
+              <a:t>Grid Layout</a:t>
+            </a:r>
+          </a:p>
+          <a:p>
+            <a:r>
+              <a:rPr lang="en-US" dirty="0"/>
+              <a:t>https://</a:t>
+            </a:r>
+            <a:r>
+              <a:rPr lang="en-US" dirty="0" err="1"/>
+              <a:t>developer.xamarin.com</a:t>
+            </a:r>
+            <a:r>
+              <a:rPr lang="en-US" dirty="0"/>
+              <a:t>/guides/android/</a:t>
+            </a:r>
+            <a:r>
+              <a:rPr lang="en-US" dirty="0" err="1"/>
+              <a:t>user_interface</a:t>
+            </a:r>
+            <a:r>
+              <a:rPr lang="en-US" dirty="0"/>
+              <a:t>/</a:t>
+            </a:r>
+            <a:r>
+              <a:rPr lang="en-US" dirty="0" err="1"/>
+              <a:t>gridlayout</a:t>
+            </a:r>
+            <a:r>
+              <a:rPr lang="en-US" dirty="0"/>
+              <a:t>/</a:t>
+            </a:r>
+          </a:p>
+          <a:p>
+            <a:r>
+              <a:rPr lang="en-US" dirty="0"/>
+              <a:t>http://</a:t>
+            </a:r>
+            <a:r>
+              <a:rPr lang="en-US" dirty="0" err="1"/>
+              <a:t>developer.android.com</a:t>
+            </a:r>
+            <a:r>
+              <a:rPr lang="en-US" dirty="0"/>
+              <a:t>/reference/android/widget/</a:t>
+            </a:r>
+            <a:r>
+              <a:rPr lang="en-US" dirty="0" err="1"/>
+              <a:t>GridLayout.html</a:t>
+            </a:r>
+            <a:endParaRPr lang="en-US" dirty="0"/>
+          </a:p>
+          <a:p>
+            <a:r>
+              <a:rPr lang="en-US" dirty="0" err="1"/>
+              <a:t>Contrstaint</a:t>
+            </a:r>
+            <a:r>
+              <a:rPr lang="en-US" dirty="0"/>
+              <a:t> </a:t>
+            </a:r>
+            <a:r>
+              <a:rPr lang="en-US" dirty="0" err="1"/>
+              <a:t>Layoutou</a:t>
+            </a:r>
+            <a:endParaRPr lang="en-US" dirty="0"/>
+          </a:p>
+          <a:p>
+            <a:r>
+              <a:rPr lang="en-US" dirty="0"/>
+              <a:t>https://</a:t>
+            </a:r>
+            <a:r>
+              <a:rPr lang="en-US" dirty="0" err="1"/>
+              <a:t>developer.android.com</a:t>
+            </a:r>
+            <a:r>
+              <a:rPr lang="en-US" dirty="0"/>
+              <a:t>/training/constraint-layout/</a:t>
+            </a:r>
+          </a:p>
+          <a:p>
+            <a:endParaRPr lang="en-US" dirty="0"/>
+          </a:p>
         </p:txBody>
       </p:sp>
       <p:sp>
@@ -1069,7 +1026,7 @@
             <a:spLocks noGrp="1"/>
           </p:cNvSpPr>
           <p:nvPr>
-            <p:ph type="sldNum" sz="quarter" idx="5"/>
+            <p:ph type="sldNum" sz="quarter" idx="10"/>
           </p:nvPr>
         </p:nvSpPr>
         <p:spPr/>
@@ -1079,7 +1036,7 @@
           <a:p>
             <a:fld id="{E94675F0-C2CB-0246-91F1-0967C899A5BC}" type="slidenum">
               <a:rPr lang="en-US" smtClean="0"/>
-              <a:t>14</a:t>
+              <a:t>4</a:t>
             </a:fld>
             <a:endParaRPr lang="en-US"/>
           </a:p>
@@ -1088,7 +1045,7 @@
     </p:spTree>
     <p:extLst>
       <p:ext uri="{BB962C8B-B14F-4D97-AF65-F5344CB8AC3E}">
-        <p14:creationId xmlns:p14="http://schemas.microsoft.com/office/powerpoint/2010/main" val="1810606110"/>
+        <p14:creationId xmlns:p14="http://schemas.microsoft.com/office/powerpoint/2010/main" val="2624130679"/>
       </p:ext>
     </p:extLst>
   </p:cSld>
@@ -1206,7 +1163,7 @@
           <a:p>
             <a:fld id="{E94675F0-C2CB-0246-91F1-0967C899A5BC}" type="slidenum">
               <a:rPr lang="en-US" smtClean="0"/>
-              <a:t>15</a:t>
+              <a:t>14</a:t>
             </a:fld>
             <a:endParaRPr lang="en-US"/>
           </a:p>
@@ -1215,7 +1172,7 @@
     </p:spTree>
     <p:extLst>
       <p:ext uri="{BB962C8B-B14F-4D97-AF65-F5344CB8AC3E}">
-        <p14:creationId xmlns:p14="http://schemas.microsoft.com/office/powerpoint/2010/main" val="3449978499"/>
+        <p14:creationId xmlns:p14="http://schemas.microsoft.com/office/powerpoint/2010/main" val="1810606110"/>
       </p:ext>
     </p:extLst>
   </p:cSld>
@@ -1333,6 +1290,133 @@
           <a:p>
             <a:fld id="{E94675F0-C2CB-0246-91F1-0967C899A5BC}" type="slidenum">
               <a:rPr lang="en-US" smtClean="0"/>
+              <a:t>15</a:t>
+            </a:fld>
+            <a:endParaRPr lang="en-US"/>
+          </a:p>
+        </p:txBody>
+      </p:sp>
+    </p:spTree>
+    <p:extLst>
+      <p:ext uri="{BB962C8B-B14F-4D97-AF65-F5344CB8AC3E}">
+        <p14:creationId xmlns:p14="http://schemas.microsoft.com/office/powerpoint/2010/main" val="3449978499"/>
+      </p:ext>
+    </p:extLst>
+  </p:cSld>
+  <p:clrMapOvr>
+    <a:masterClrMapping/>
+  </p:clrMapOvr>
+</p:notes>
+</file>
+
+<file path=ppt/notesSlides/notesSlide6.xml><?xml version="1.0" encoding="utf-8"?>
+<p:notes xmlns:a="http://schemas.openxmlformats.org/drawingml/2006/main" xmlns:r="http://schemas.openxmlformats.org/officeDocument/2006/relationships" xmlns:p="http://schemas.openxmlformats.org/presentationml/2006/main">
+  <p:cSld>
+    <p:spTree>
+      <p:nvGrpSpPr>
+        <p:cNvPr id="1" name=""/>
+        <p:cNvGrpSpPr/>
+        <p:nvPr/>
+      </p:nvGrpSpPr>
+      <p:grpSpPr>
+        <a:xfrm>
+          <a:off x="0" y="0"/>
+          <a:ext cx="0" cy="0"/>
+          <a:chOff x="0" y="0"/>
+          <a:chExt cx="0" cy="0"/>
+        </a:xfrm>
+      </p:grpSpPr>
+      <p:sp>
+        <p:nvSpPr>
+          <p:cNvPr id="2" name="Slide Image Placeholder 1"/>
+          <p:cNvSpPr>
+            <a:spLocks noGrp="1" noRot="1" noChangeAspect="1"/>
+          </p:cNvSpPr>
+          <p:nvPr>
+            <p:ph type="sldImg"/>
+          </p:nvPr>
+        </p:nvSpPr>
+        <p:spPr/>
+      </p:sp>
+      <p:sp>
+        <p:nvSpPr>
+          <p:cNvPr id="3" name="Notes Placeholder 2"/>
+          <p:cNvSpPr>
+            <a:spLocks noGrp="1"/>
+          </p:cNvSpPr>
+          <p:nvPr>
+            <p:ph type="body" idx="1"/>
+          </p:nvPr>
+        </p:nvSpPr>
+        <p:spPr/>
+        <p:txBody>
+          <a:bodyPr/>
+          <a:lstStyle/>
+          <a:p>
+            <a:r>
+              <a:rPr lang="en-US" dirty="0"/>
+              <a:t>https://</a:t>
+            </a:r>
+            <a:r>
+              <a:rPr lang="en-US" dirty="0" err="1"/>
+              <a:t>docs.microsoft.com</a:t>
+            </a:r>
+            <a:r>
+              <a:rPr lang="en-US" dirty="0"/>
+              <a:t>/</a:t>
+            </a:r>
+            <a:r>
+              <a:rPr lang="en-US" dirty="0" err="1"/>
+              <a:t>en</a:t>
+            </a:r>
+            <a:r>
+              <a:rPr lang="en-US" dirty="0"/>
+              <a:t>-us/</a:t>
+            </a:r>
+            <a:r>
+              <a:rPr lang="en-US" dirty="0" err="1"/>
+              <a:t>xamarin</a:t>
+            </a:r>
+            <a:r>
+              <a:rPr lang="en-US" dirty="0"/>
+              <a:t>/android/user-interface/android-designer/</a:t>
+            </a:r>
+            <a:r>
+              <a:rPr lang="en-US" dirty="0" err="1"/>
+              <a:t>designer-basics?tabs</a:t>
+            </a:r>
+            <a:r>
+              <a:rPr lang="en-US" dirty="0"/>
+              <a:t>=</a:t>
+            </a:r>
+            <a:r>
+              <a:rPr lang="en-US" dirty="0" err="1"/>
+              <a:t>vswin#margin</a:t>
+            </a:r>
+            <a:endParaRPr lang="en-US" dirty="0"/>
+          </a:p>
+          <a:p>
+            <a:endParaRPr lang="en-US" dirty="0"/>
+          </a:p>
+        </p:txBody>
+      </p:sp>
+      <p:sp>
+        <p:nvSpPr>
+          <p:cNvPr id="4" name="Slide Number Placeholder 3"/>
+          <p:cNvSpPr>
+            <a:spLocks noGrp="1"/>
+          </p:cNvSpPr>
+          <p:nvPr>
+            <p:ph type="sldNum" sz="quarter" idx="5"/>
+          </p:nvPr>
+        </p:nvSpPr>
+        <p:spPr/>
+        <p:txBody>
+          <a:bodyPr/>
+          <a:lstStyle/>
+          <a:p>
+            <a:fld id="{E94675F0-C2CB-0246-91F1-0967C899A5BC}" type="slidenum">
+              <a:rPr lang="en-US" smtClean="0"/>
               <a:t>16</a:t>
             </a:fld>
             <a:endParaRPr lang="en-US"/>
@@ -1352,7 +1436,7 @@
 </p:notes>
 </file>
 
-<file path=ppt/notesSlides/notesSlide6.xml><?xml version="1.0" encoding="utf-8"?>
+<file path=ppt/notesSlides/notesSlide7.xml><?xml version="1.0" encoding="utf-8"?>
 <p:notes xmlns:a="http://schemas.openxmlformats.org/drawingml/2006/main" xmlns:r="http://schemas.openxmlformats.org/officeDocument/2006/relationships" xmlns:p="http://schemas.openxmlformats.org/presentationml/2006/main">
   <p:cSld>
     <p:spTree>
@@ -4582,7 +4666,7 @@
             <a:pPr algn="ctr"/>
             <a:r>
               <a:rPr lang="en-US" dirty="0"/>
-              <a:t>Winter 2018</a:t>
+              <a:t>Fall 2018</a:t>
             </a:r>
           </a:p>
           <a:p>
